--- a/Tibet.pptx
+++ b/Tibet.pptx
@@ -12,15 +12,15 @@
     <p:sldId id="257" r:id="rId3"/>
     <p:sldId id="260" r:id="rId4"/>
     <p:sldId id="263" r:id="rId5"/>
-    <p:sldId id="264" r:id="rId6"/>
-    <p:sldId id="262" r:id="rId7"/>
-    <p:sldId id="258" r:id="rId8"/>
-    <p:sldId id="265" r:id="rId9"/>
-    <p:sldId id="266" r:id="rId10"/>
-    <p:sldId id="268" r:id="rId11"/>
-    <p:sldId id="261" r:id="rId12"/>
-    <p:sldId id="270" r:id="rId13"/>
-    <p:sldId id="271" r:id="rId14"/>
+    <p:sldId id="258" r:id="rId6"/>
+    <p:sldId id="265" r:id="rId7"/>
+    <p:sldId id="266" r:id="rId8"/>
+    <p:sldId id="270" r:id="rId9"/>
+    <p:sldId id="268" r:id="rId10"/>
+    <p:sldId id="261" r:id="rId11"/>
+    <p:sldId id="271" r:id="rId12"/>
+    <p:sldId id="262" r:id="rId13"/>
+    <p:sldId id="264" r:id="rId14"/>
     <p:sldId id="272" r:id="rId15"/>
     <p:sldId id="267" r:id="rId16"/>
     <p:sldId id="259" r:id="rId17"/>
@@ -1466,7 +1466,7 @@
           <a:p>
             <a:fld id="{F1B81870-C9C1-4CFB-915F-4EB1CA583774}" type="datetimeFigureOut">
               <a:rPr lang="en-GB" smtClean="0"/>
-              <a:t>29/03/2022</a:t>
+              <a:t>31/03/2022</a:t>
             </a:fld>
             <a:endParaRPr lang="en-GB"/>
           </a:p>
@@ -3376,7 +3376,7 @@
           <a:p>
             <a:fld id="{0020566C-93CD-4AAE-A87F-D07440EF6629}" type="slidenum">
               <a:rPr lang="en-GB" smtClean="0"/>
-              <a:t>11</a:t>
+              <a:t>10</a:t>
             </a:fld>
             <a:endParaRPr lang="en-GB"/>
           </a:p>
@@ -3526,7 +3526,7 @@
           <a:p>
             <a:fld id="{C2561DF6-CD30-4EDE-BC83-C7F016A6F485}" type="datetimeFigureOut">
               <a:rPr lang="en-GB" smtClean="0"/>
-              <a:t>29/03/2022</a:t>
+              <a:t>31/03/2022</a:t>
             </a:fld>
             <a:endParaRPr lang="en-GB"/>
           </a:p>
@@ -3584,6 +3584,18 @@
   <p:clrMapOvr>
     <a:masterClrMapping/>
   </p:clrMapOvr>
+  <mc:AlternateContent xmlns:mc="http://schemas.openxmlformats.org/markup-compatibility/2006">
+    <mc:Choice xmlns:p14="http://schemas.microsoft.com/office/powerpoint/2010/main" Requires="p14">
+      <p:transition spd="slow" p14:dur="3000">
+        <p:pull/>
+      </p:transition>
+    </mc:Choice>
+    <mc:Fallback>
+      <p:transition spd="slow">
+        <p:pull/>
+      </p:transition>
+    </mc:Fallback>
+  </mc:AlternateContent>
 </p:sldLayout>
 </file>
 
@@ -3696,7 +3708,7 @@
           <a:p>
             <a:fld id="{C2561DF6-CD30-4EDE-BC83-C7F016A6F485}" type="datetimeFigureOut">
               <a:rPr lang="en-GB" smtClean="0"/>
-              <a:t>29/03/2022</a:t>
+              <a:t>31/03/2022</a:t>
             </a:fld>
             <a:endParaRPr lang="en-GB"/>
           </a:p>
@@ -3754,6 +3766,18 @@
   <p:clrMapOvr>
     <a:masterClrMapping/>
   </p:clrMapOvr>
+  <mc:AlternateContent xmlns:mc="http://schemas.openxmlformats.org/markup-compatibility/2006">
+    <mc:Choice xmlns:p14="http://schemas.microsoft.com/office/powerpoint/2010/main" Requires="p14">
+      <p:transition spd="slow" p14:dur="3000">
+        <p:pull/>
+      </p:transition>
+    </mc:Choice>
+    <mc:Fallback>
+      <p:transition spd="slow">
+        <p:pull/>
+      </p:transition>
+    </mc:Fallback>
+  </mc:AlternateContent>
 </p:sldLayout>
 </file>
 
@@ -3876,7 +3900,7 @@
           <a:p>
             <a:fld id="{C2561DF6-CD30-4EDE-BC83-C7F016A6F485}" type="datetimeFigureOut">
               <a:rPr lang="en-GB" smtClean="0"/>
-              <a:t>29/03/2022</a:t>
+              <a:t>31/03/2022</a:t>
             </a:fld>
             <a:endParaRPr lang="en-GB"/>
           </a:p>
@@ -3934,6 +3958,18 @@
   <p:clrMapOvr>
     <a:masterClrMapping/>
   </p:clrMapOvr>
+  <mc:AlternateContent xmlns:mc="http://schemas.openxmlformats.org/markup-compatibility/2006">
+    <mc:Choice xmlns:p14="http://schemas.microsoft.com/office/powerpoint/2010/main" Requires="p14">
+      <p:transition spd="slow" p14:dur="3000">
+        <p:pull/>
+      </p:transition>
+    </mc:Choice>
+    <mc:Fallback>
+      <p:transition spd="slow">
+        <p:pull/>
+      </p:transition>
+    </mc:Fallback>
+  </mc:AlternateContent>
 </p:sldLayout>
 </file>
 
@@ -4046,7 +4082,7 @@
           <a:p>
             <a:fld id="{C2561DF6-CD30-4EDE-BC83-C7F016A6F485}" type="datetimeFigureOut">
               <a:rPr lang="en-GB" smtClean="0"/>
-              <a:t>29/03/2022</a:t>
+              <a:t>31/03/2022</a:t>
             </a:fld>
             <a:endParaRPr lang="en-GB"/>
           </a:p>
@@ -4104,6 +4140,18 @@
   <p:clrMapOvr>
     <a:masterClrMapping/>
   </p:clrMapOvr>
+  <mc:AlternateContent xmlns:mc="http://schemas.openxmlformats.org/markup-compatibility/2006">
+    <mc:Choice xmlns:p14="http://schemas.microsoft.com/office/powerpoint/2010/main" Requires="p14">
+      <p:transition spd="slow" p14:dur="3000">
+        <p:pull/>
+      </p:transition>
+    </mc:Choice>
+    <mc:Fallback>
+      <p:transition spd="slow">
+        <p:pull/>
+      </p:transition>
+    </mc:Fallback>
+  </mc:AlternateContent>
 </p:sldLayout>
 </file>
 
@@ -4292,7 +4340,7 @@
           <a:p>
             <a:fld id="{C2561DF6-CD30-4EDE-BC83-C7F016A6F485}" type="datetimeFigureOut">
               <a:rPr lang="en-GB" smtClean="0"/>
-              <a:t>29/03/2022</a:t>
+              <a:t>31/03/2022</a:t>
             </a:fld>
             <a:endParaRPr lang="en-GB"/>
           </a:p>
@@ -4350,6 +4398,18 @@
   <p:clrMapOvr>
     <a:masterClrMapping/>
   </p:clrMapOvr>
+  <mc:AlternateContent xmlns:mc="http://schemas.openxmlformats.org/markup-compatibility/2006">
+    <mc:Choice xmlns:p14="http://schemas.microsoft.com/office/powerpoint/2010/main" Requires="p14">
+      <p:transition spd="slow" p14:dur="3000">
+        <p:pull/>
+      </p:transition>
+    </mc:Choice>
+    <mc:Fallback>
+      <p:transition spd="slow">
+        <p:pull/>
+      </p:transition>
+    </mc:Fallback>
+  </mc:AlternateContent>
 </p:sldLayout>
 </file>
 
@@ -4524,7 +4584,7 @@
           <a:p>
             <a:fld id="{C2561DF6-CD30-4EDE-BC83-C7F016A6F485}" type="datetimeFigureOut">
               <a:rPr lang="en-GB" smtClean="0"/>
-              <a:t>29/03/2022</a:t>
+              <a:t>31/03/2022</a:t>
             </a:fld>
             <a:endParaRPr lang="en-GB"/>
           </a:p>
@@ -4582,6 +4642,18 @@
   <p:clrMapOvr>
     <a:masterClrMapping/>
   </p:clrMapOvr>
+  <mc:AlternateContent xmlns:mc="http://schemas.openxmlformats.org/markup-compatibility/2006">
+    <mc:Choice xmlns:p14="http://schemas.microsoft.com/office/powerpoint/2010/main" Requires="p14">
+      <p:transition spd="slow" p14:dur="3000">
+        <p:pull/>
+      </p:transition>
+    </mc:Choice>
+    <mc:Fallback>
+      <p:transition spd="slow">
+        <p:pull/>
+      </p:transition>
+    </mc:Fallback>
+  </mc:AlternateContent>
 </p:sldLayout>
 </file>
 
@@ -4891,7 +4963,7 @@
           <a:p>
             <a:fld id="{C2561DF6-CD30-4EDE-BC83-C7F016A6F485}" type="datetimeFigureOut">
               <a:rPr lang="en-GB" smtClean="0"/>
-              <a:t>29/03/2022</a:t>
+              <a:t>31/03/2022</a:t>
             </a:fld>
             <a:endParaRPr lang="en-GB"/>
           </a:p>
@@ -4949,6 +5021,18 @@
   <p:clrMapOvr>
     <a:masterClrMapping/>
   </p:clrMapOvr>
+  <mc:AlternateContent xmlns:mc="http://schemas.openxmlformats.org/markup-compatibility/2006">
+    <mc:Choice xmlns:p14="http://schemas.microsoft.com/office/powerpoint/2010/main" Requires="p14">
+      <p:transition spd="slow" p14:dur="3000">
+        <p:pull/>
+      </p:transition>
+    </mc:Choice>
+    <mc:Fallback>
+      <p:transition spd="slow">
+        <p:pull/>
+      </p:transition>
+    </mc:Fallback>
+  </mc:AlternateContent>
 </p:sldLayout>
 </file>
 
@@ -5009,7 +5093,7 @@
           <a:p>
             <a:fld id="{C2561DF6-CD30-4EDE-BC83-C7F016A6F485}" type="datetimeFigureOut">
               <a:rPr lang="en-GB" smtClean="0"/>
-              <a:t>29/03/2022</a:t>
+              <a:t>31/03/2022</a:t>
             </a:fld>
             <a:endParaRPr lang="en-GB"/>
           </a:p>
@@ -5067,6 +5151,18 @@
   <p:clrMapOvr>
     <a:masterClrMapping/>
   </p:clrMapOvr>
+  <mc:AlternateContent xmlns:mc="http://schemas.openxmlformats.org/markup-compatibility/2006">
+    <mc:Choice xmlns:p14="http://schemas.microsoft.com/office/powerpoint/2010/main" Requires="p14">
+      <p:transition spd="slow" p14:dur="3000">
+        <p:pull/>
+      </p:transition>
+    </mc:Choice>
+    <mc:Fallback>
+      <p:transition spd="slow">
+        <p:pull/>
+      </p:transition>
+    </mc:Fallback>
+  </mc:AlternateContent>
 </p:sldLayout>
 </file>
 
@@ -5104,7 +5200,7 @@
           <a:p>
             <a:fld id="{C2561DF6-CD30-4EDE-BC83-C7F016A6F485}" type="datetimeFigureOut">
               <a:rPr lang="en-GB" smtClean="0"/>
-              <a:t>29/03/2022</a:t>
+              <a:t>31/03/2022</a:t>
             </a:fld>
             <a:endParaRPr lang="en-GB"/>
           </a:p>
@@ -5162,6 +5258,18 @@
   <p:clrMapOvr>
     <a:masterClrMapping/>
   </p:clrMapOvr>
+  <mc:AlternateContent xmlns:mc="http://schemas.openxmlformats.org/markup-compatibility/2006">
+    <mc:Choice xmlns:p14="http://schemas.microsoft.com/office/powerpoint/2010/main" Requires="p14">
+      <p:transition spd="slow" p14:dur="3000">
+        <p:pull/>
+      </p:transition>
+    </mc:Choice>
+    <mc:Fallback>
+      <p:transition spd="slow">
+        <p:pull/>
+      </p:transition>
+    </mc:Fallback>
+  </mc:AlternateContent>
 </p:sldLayout>
 </file>
 
@@ -5381,7 +5489,7 @@
           <a:p>
             <a:fld id="{C2561DF6-CD30-4EDE-BC83-C7F016A6F485}" type="datetimeFigureOut">
               <a:rPr lang="en-GB" smtClean="0"/>
-              <a:t>29/03/2022</a:t>
+              <a:t>31/03/2022</a:t>
             </a:fld>
             <a:endParaRPr lang="en-GB"/>
           </a:p>
@@ -5439,6 +5547,18 @@
   <p:clrMapOvr>
     <a:masterClrMapping/>
   </p:clrMapOvr>
+  <mc:AlternateContent xmlns:mc="http://schemas.openxmlformats.org/markup-compatibility/2006">
+    <mc:Choice xmlns:p14="http://schemas.microsoft.com/office/powerpoint/2010/main" Requires="p14">
+      <p:transition spd="slow" p14:dur="3000">
+        <p:pull/>
+      </p:transition>
+    </mc:Choice>
+    <mc:Fallback>
+      <p:transition spd="slow">
+        <p:pull/>
+      </p:transition>
+    </mc:Fallback>
+  </mc:AlternateContent>
 </p:sldLayout>
 </file>
 
@@ -5638,7 +5758,7 @@
           <a:p>
             <a:fld id="{C2561DF6-CD30-4EDE-BC83-C7F016A6F485}" type="datetimeFigureOut">
               <a:rPr lang="en-GB" smtClean="0"/>
-              <a:t>29/03/2022</a:t>
+              <a:t>31/03/2022</a:t>
             </a:fld>
             <a:endParaRPr lang="en-GB"/>
           </a:p>
@@ -5696,6 +5816,18 @@
   <p:clrMapOvr>
     <a:masterClrMapping/>
   </p:clrMapOvr>
+  <mc:AlternateContent xmlns:mc="http://schemas.openxmlformats.org/markup-compatibility/2006">
+    <mc:Choice xmlns:p14="http://schemas.microsoft.com/office/powerpoint/2010/main" Requires="p14">
+      <p:transition spd="slow" p14:dur="3000">
+        <p:pull/>
+      </p:transition>
+    </mc:Choice>
+    <mc:Fallback>
+      <p:transition spd="slow">
+        <p:pull/>
+      </p:transition>
+    </mc:Fallback>
+  </mc:AlternateContent>
 </p:sldLayout>
 </file>
 
@@ -5851,7 +5983,7 @@
           <a:p>
             <a:fld id="{C2561DF6-CD30-4EDE-BC83-C7F016A6F485}" type="datetimeFigureOut">
               <a:rPr lang="en-GB" smtClean="0"/>
-              <a:t>29/03/2022</a:t>
+              <a:t>31/03/2022</a:t>
             </a:fld>
             <a:endParaRPr lang="en-GB"/>
           </a:p>
@@ -5956,6 +6088,18 @@
     <p:sldLayoutId id="2147483766" r:id="rId10"/>
     <p:sldLayoutId id="2147483767" r:id="rId11"/>
   </p:sldLayoutIdLst>
+  <mc:AlternateContent xmlns:mc="http://schemas.openxmlformats.org/markup-compatibility/2006">
+    <mc:Choice xmlns:p14="http://schemas.microsoft.com/office/powerpoint/2010/main" Requires="p14">
+      <p:transition spd="slow" p14:dur="3000">
+        <p:pull/>
+      </p:transition>
+    </mc:Choice>
+    <mc:Fallback>
+      <p:transition spd="slow">
+        <p:pull/>
+      </p:transition>
+    </mc:Fallback>
+  </mc:AlternateContent>
   <p:txStyles>
     <p:titleStyle>
       <a:lvl1pPr algn="l" defTabSz="914400" rtl="0" eaLnBrk="1" latinLnBrk="0" hangingPunct="1">
@@ -6429,6 +6573,53 @@
           </a:extLst>
         </p:spPr>
       </p:pic>
+      <p:pic>
+        <p:nvPicPr>
+          <p:cNvPr id="6" name="Picture 4" descr="Discord Invisible Rickroll Sticker - Discord Invisible Rickroll Stickers">
+            <a:extLst>
+              <a:ext uri="{FF2B5EF4-FFF2-40B4-BE49-F238E27FC236}">
+                <a16:creationId xmlns:a16="http://schemas.microsoft.com/office/drawing/2014/main" id="{53D003CF-8D4A-4D66-8D5C-93B79A908FEF}"/>
+              </a:ext>
+            </a:extLst>
+          </p:cNvPr>
+          <p:cNvPicPr>
+            <a:picLocks noChangeAspect="1" noChangeArrowheads="1"/>
+          </p:cNvPicPr>
+          <p:nvPr/>
+        </p:nvPicPr>
+        <p:blipFill>
+          <a:blip r:embed="rId3">
+            <a:extLst>
+              <a:ext uri="{28A0092B-C50C-407E-A947-70E740481C1C}">
+                <a14:useLocalDpi xmlns:a14="http://schemas.microsoft.com/office/drawing/2010/main" val="0"/>
+              </a:ext>
+            </a:extLst>
+          </a:blip>
+          <a:srcRect/>
+          <a:stretch>
+            <a:fillRect/>
+          </a:stretch>
+        </p:blipFill>
+        <p:spPr bwMode="auto">
+          <a:xfrm>
+            <a:off x="11673016" y="6282204"/>
+            <a:ext cx="518984" cy="575796"/>
+          </a:xfrm>
+          <a:prstGeom prst="rect">
+            <a:avLst/>
+          </a:prstGeom>
+          <a:noFill/>
+          <a:extLst>
+            <a:ext uri="{909E8E84-426E-40DD-AFC4-6F175D3DCCD1}">
+              <a14:hiddenFill xmlns:a14="http://schemas.microsoft.com/office/drawing/2010/main">
+                <a:solidFill>
+                  <a:srgbClr val="FFFFFF"/>
+                </a:solidFill>
+              </a14:hiddenFill>
+            </a:ext>
+          </a:extLst>
+        </p:spPr>
+      </p:pic>
     </p:spTree>
     <p:extLst>
       <p:ext uri="{BB962C8B-B14F-4D97-AF65-F5344CB8AC3E}">
@@ -6439,6 +6630,18 @@
   <p:clrMapOvr>
     <a:masterClrMapping/>
   </p:clrMapOvr>
+  <mc:AlternateContent xmlns:mc="http://schemas.openxmlformats.org/markup-compatibility/2006">
+    <mc:Choice xmlns:p14="http://schemas.microsoft.com/office/powerpoint/2010/main" Requires="p14">
+      <p:transition spd="slow" p14:dur="3000">
+        <p:pull/>
+      </p:transition>
+    </mc:Choice>
+    <mc:Fallback>
+      <p:transition spd="slow">
+        <p:pull/>
+      </p:transition>
+    </mc:Fallback>
+  </mc:AlternateContent>
 </p:sld>
 </file>
 
@@ -6472,7 +6675,7 @@
           <p:cNvPr id="2" name="Nadpis 1">
             <a:extLst>
               <a:ext uri="{FF2B5EF4-FFF2-40B4-BE49-F238E27FC236}">
-                <a16:creationId xmlns:a16="http://schemas.microsoft.com/office/drawing/2014/main" id="{5B6D3368-D28B-433D-BB9C-70E74BC4F7E7}"/>
+                <a16:creationId xmlns:a16="http://schemas.microsoft.com/office/drawing/2014/main" id="{F1F1270C-46E1-4E66-9694-9D3D244693A4}"/>
               </a:ext>
             </a:extLst>
           </p:cNvPr>
@@ -6483,16 +6686,24 @@
             <p:ph type="title"/>
           </p:nvPr>
         </p:nvSpPr>
-        <p:spPr/>
-        <p:txBody>
-          <a:bodyPr/>
+        <p:spPr>
+          <a:xfrm>
+            <a:off x="838200" y="681037"/>
+            <a:ext cx="10515600" cy="1325563"/>
+          </a:xfrm>
+        </p:spPr>
+        <p:txBody>
+          <a:bodyPr>
+            <a:normAutofit/>
+          </a:bodyPr>
           <a:lstStyle/>
           <a:p>
-            <a:r>
-              <a:rPr lang="cs-CZ" dirty="0"/>
-              <a:t>Nepokoje a povstání</a:t>
-            </a:r>
-            <a:endParaRPr lang="en-GB" dirty="0"/>
+            <a:pPr algn="ctr"/>
+            <a:r>
+              <a:rPr lang="cs-CZ" sz="7200" dirty="0"/>
+              <a:t>Děkuji za pozornost</a:t>
+            </a:r>
+            <a:endParaRPr lang="en-GB" sz="7200" dirty="0"/>
           </a:p>
         </p:txBody>
       </p:sp>
@@ -6501,7 +6712,7 @@
           <p:cNvPr id="3" name="Zástupný obsah 2">
             <a:extLst>
               <a:ext uri="{FF2B5EF4-FFF2-40B4-BE49-F238E27FC236}">
-                <a16:creationId xmlns:a16="http://schemas.microsoft.com/office/drawing/2014/main" id="{78817CD5-B2DF-4B74-9CB0-D21F81F1CF4B}"/>
+                <a16:creationId xmlns:a16="http://schemas.microsoft.com/office/drawing/2014/main" id="{280696B0-B6B2-47C2-A506-CEC79E63956A}"/>
               </a:ext>
             </a:extLst>
           </p:cNvPr>
@@ -6517,49 +6728,79 @@
           <a:bodyPr/>
           <a:lstStyle/>
           <a:p>
-            <a:r>
-              <a:rPr lang="es-ES" dirty="0"/>
-              <a:t>1959</a:t>
-            </a:r>
-            <a:r>
-              <a:rPr lang="cs-CZ" dirty="0"/>
-              <a:t> – </a:t>
-            </a:r>
-            <a:r>
-              <a:rPr lang="es-ES" dirty="0"/>
-              <a:t>velké povstání ve Lhase</a:t>
-            </a:r>
-            <a:endParaRPr lang="cs-CZ" dirty="0"/>
-          </a:p>
-          <a:p>
-            <a:pPr lvl="1"/>
-            <a:r>
-              <a:rPr lang="cs-CZ" dirty="0"/>
-              <a:t>87 tisíc obětí</a:t>
-            </a:r>
-          </a:p>
-          <a:p>
-            <a:pPr lvl="1"/>
-            <a:endParaRPr lang="cs-CZ" dirty="0"/>
-          </a:p>
-          <a:p>
-            <a:r>
-              <a:rPr lang="cs-CZ" dirty="0"/>
-              <a:t>2008 – Před olympijskými hrami v Pekingu krvavě potlačeny údajné protičínské demonstrace,</a:t>
-            </a:r>
-          </a:p>
-        </p:txBody>
-      </p:sp>
+            <a:endParaRPr lang="en-GB" dirty="0"/>
+          </a:p>
+        </p:txBody>
+      </p:sp>
+      <p:pic>
+        <p:nvPicPr>
+          <p:cNvPr id="1028" name="Picture 4" descr="Discord Invisible Rickroll Sticker - Discord Invisible Rickroll Stickers">
+            <a:extLst>
+              <a:ext uri="{FF2B5EF4-FFF2-40B4-BE49-F238E27FC236}">
+                <a16:creationId xmlns:a16="http://schemas.microsoft.com/office/drawing/2014/main" id="{9A1507F8-2F75-450F-A489-5487206C5660}"/>
+              </a:ext>
+            </a:extLst>
+          </p:cNvPr>
+          <p:cNvPicPr>
+            <a:picLocks noChangeAspect="1" noChangeArrowheads="1"/>
+          </p:cNvPicPr>
+          <p:nvPr/>
+        </p:nvPicPr>
+        <p:blipFill>
+          <a:blip r:embed="rId3">
+            <a:extLst>
+              <a:ext uri="{28A0092B-C50C-407E-A947-70E740481C1C}">
+                <a14:useLocalDpi xmlns:a14="http://schemas.microsoft.com/office/drawing/2010/main" val="0"/>
+              </a:ext>
+            </a:extLst>
+          </a:blip>
+          <a:srcRect/>
+          <a:stretch>
+            <a:fillRect/>
+          </a:stretch>
+        </p:blipFill>
+        <p:spPr bwMode="auto">
+          <a:xfrm>
+            <a:off x="0" y="6037046"/>
+            <a:ext cx="739953" cy="820954"/>
+          </a:xfrm>
+          <a:prstGeom prst="rect">
+            <a:avLst/>
+          </a:prstGeom>
+          <a:noFill/>
+          <a:extLst>
+            <a:ext uri="{909E8E84-426E-40DD-AFC4-6F175D3DCCD1}">
+              <a14:hiddenFill xmlns:a14="http://schemas.microsoft.com/office/drawing/2010/main">
+                <a:solidFill>
+                  <a:srgbClr val="FFFFFF"/>
+                </a:solidFill>
+              </a14:hiddenFill>
+            </a:ext>
+          </a:extLst>
+        </p:spPr>
+      </p:pic>
     </p:spTree>
     <p:extLst>
       <p:ext uri="{BB962C8B-B14F-4D97-AF65-F5344CB8AC3E}">
-        <p14:creationId xmlns:p14="http://schemas.microsoft.com/office/powerpoint/2010/main" val="1882321699"/>
+        <p14:creationId xmlns:p14="http://schemas.microsoft.com/office/powerpoint/2010/main" val="3967473392"/>
       </p:ext>
     </p:extLst>
   </p:cSld>
   <p:clrMapOvr>
     <a:masterClrMapping/>
   </p:clrMapOvr>
+  <mc:AlternateContent xmlns:mc="http://schemas.openxmlformats.org/markup-compatibility/2006">
+    <mc:Choice xmlns:p14="http://schemas.microsoft.com/office/powerpoint/2010/main" Requires="p14">
+      <p:transition spd="slow" p14:dur="3000">
+        <p:pull/>
+      </p:transition>
+    </mc:Choice>
+    <mc:Fallback>
+      <p:transition spd="slow">
+        <p:pull/>
+      </p:transition>
+    </mc:Fallback>
+  </mc:AlternateContent>
 </p:sld>
 </file>
 
@@ -6593,7 +6834,7 @@
           <p:cNvPr id="2" name="Nadpis 1">
             <a:extLst>
               <a:ext uri="{FF2B5EF4-FFF2-40B4-BE49-F238E27FC236}">
-                <a16:creationId xmlns:a16="http://schemas.microsoft.com/office/drawing/2014/main" id="{F1F1270C-46E1-4E66-9694-9D3D244693A4}"/>
+                <a16:creationId xmlns:a16="http://schemas.microsoft.com/office/drawing/2014/main" id="{02B30957-08FB-4253-883C-7E85CFC9C415}"/>
               </a:ext>
             </a:extLst>
           </p:cNvPr>
@@ -6604,24 +6845,12 @@
             <p:ph type="title"/>
           </p:nvPr>
         </p:nvSpPr>
-        <p:spPr>
-          <a:xfrm>
-            <a:off x="838200" y="681037"/>
-            <a:ext cx="10515600" cy="1325563"/>
-          </a:xfrm>
-        </p:spPr>
-        <p:txBody>
-          <a:bodyPr>
-            <a:normAutofit/>
-          </a:bodyPr>
+        <p:spPr/>
+        <p:txBody>
+          <a:bodyPr/>
           <a:lstStyle/>
           <a:p>
-            <a:pPr algn="ctr"/>
-            <a:r>
-              <a:rPr lang="cs-CZ" sz="7200" dirty="0"/>
-              <a:t>Děkuji za pozornost</a:t>
-            </a:r>
-            <a:endParaRPr lang="en-GB" sz="7200" dirty="0"/>
+            <a:endParaRPr lang="en-GB" dirty="0"/>
           </a:p>
         </p:txBody>
       </p:sp>
@@ -6630,7 +6859,7 @@
           <p:cNvPr id="3" name="Zástupný obsah 2">
             <a:extLst>
               <a:ext uri="{FF2B5EF4-FFF2-40B4-BE49-F238E27FC236}">
-                <a16:creationId xmlns:a16="http://schemas.microsoft.com/office/drawing/2014/main" id="{280696B0-B6B2-47C2-A506-CEC79E63956A}"/>
+                <a16:creationId xmlns:a16="http://schemas.microsoft.com/office/drawing/2014/main" id="{C2A564C1-01F8-47EE-A336-9CD2D654E6D4}"/>
               </a:ext>
             </a:extLst>
           </p:cNvPr>
@@ -6646,20 +6875,32 @@
           <a:bodyPr/>
           <a:lstStyle/>
           <a:p>
-            <a:endParaRPr lang="en-GB" dirty="0"/>
+            <a:endParaRPr lang="en-GB"/>
           </a:p>
         </p:txBody>
       </p:sp>
     </p:spTree>
     <p:extLst>
       <p:ext uri="{BB962C8B-B14F-4D97-AF65-F5344CB8AC3E}">
-        <p14:creationId xmlns:p14="http://schemas.microsoft.com/office/powerpoint/2010/main" val="3967473392"/>
+        <p14:creationId xmlns:p14="http://schemas.microsoft.com/office/powerpoint/2010/main" val="1023641579"/>
       </p:ext>
     </p:extLst>
   </p:cSld>
   <p:clrMapOvr>
     <a:masterClrMapping/>
   </p:clrMapOvr>
+  <mc:AlternateContent xmlns:mc="http://schemas.openxmlformats.org/markup-compatibility/2006">
+    <mc:Choice xmlns:p14="http://schemas.microsoft.com/office/powerpoint/2010/main" Requires="p14">
+      <p:transition spd="slow" p14:dur="3000">
+        <p:pull/>
+      </p:transition>
+    </mc:Choice>
+    <mc:Fallback>
+      <p:transition spd="slow">
+        <p:pull/>
+      </p:transition>
+    </mc:Fallback>
+  </mc:AlternateContent>
 </p:sld>
 </file>
 
@@ -6693,7 +6934,7 @@
           <p:cNvPr id="2" name="Nadpis 1">
             <a:extLst>
               <a:ext uri="{FF2B5EF4-FFF2-40B4-BE49-F238E27FC236}">
-                <a16:creationId xmlns:a16="http://schemas.microsoft.com/office/drawing/2014/main" id="{AE2723E1-F6EA-4F61-950D-81809574F41D}"/>
+                <a16:creationId xmlns:a16="http://schemas.microsoft.com/office/drawing/2014/main" id="{F1F1270C-46E1-4E66-9694-9D3D244693A4}"/>
               </a:ext>
             </a:extLst>
           </p:cNvPr>
@@ -6709,16 +6950,20 @@
           <a:bodyPr/>
           <a:lstStyle/>
           <a:p>
-            <a:endParaRPr lang="en-GB"/>
-          </a:p>
-        </p:txBody>
-      </p:sp>
-      <p:sp>
-        <p:nvSpPr>
-          <p:cNvPr id="3" name="Zástupný obsah 2">
+            <a:r>
+              <a:rPr lang="cs-CZ" dirty="0"/>
+              <a:t>Historie</a:t>
+            </a:r>
+            <a:endParaRPr lang="en-GB" dirty="0"/>
+          </a:p>
+        </p:txBody>
+      </p:sp>
+      <p:sp>
+        <p:nvSpPr>
+          <p:cNvPr id="4" name="Zástupný obsah 3">
             <a:extLst>
               <a:ext uri="{FF2B5EF4-FFF2-40B4-BE49-F238E27FC236}">
-                <a16:creationId xmlns:a16="http://schemas.microsoft.com/office/drawing/2014/main" id="{D27B56FE-4AF6-4EFA-96B2-2A36AADBC3B3}"/>
+                <a16:creationId xmlns:a16="http://schemas.microsoft.com/office/drawing/2014/main" id="{52FFEA0E-93A7-481A-932D-F8F939BAB961}"/>
               </a:ext>
             </a:extLst>
           </p:cNvPr>
@@ -6729,25 +6974,67 @@
             <p:ph idx="1"/>
           </p:nvPr>
         </p:nvSpPr>
-        <p:spPr/>
+        <p:spPr>
+          <a:xfrm>
+            <a:off x="965756" y="1848315"/>
+            <a:ext cx="10515600" cy="4351338"/>
+          </a:xfrm>
+        </p:spPr>
         <p:txBody>
           <a:bodyPr/>
           <a:lstStyle/>
           <a:p>
-            <a:endParaRPr lang="en-GB"/>
+            <a:r>
+              <a:rPr lang="cs-CZ" dirty="0"/>
+              <a:t>18.-19. stol. – Pokusy Evropanů i navázání kontaktů</a:t>
+            </a:r>
+          </a:p>
+          <a:p>
+            <a:r>
+              <a:rPr lang="cs-CZ" dirty="0"/>
+              <a:t>19. stol. – Tibet stal křižovatkou strategických zájmů mocností, zejména Anglie a Ruska </a:t>
+            </a:r>
+          </a:p>
+          <a:p>
+            <a:r>
+              <a:rPr lang="cs-CZ" dirty="0"/>
+              <a:t>20. stol. – Vojenská expedice Britů</a:t>
+            </a:r>
+          </a:p>
+          <a:p>
+            <a:pPr lvl="1"/>
+            <a:r>
+              <a:rPr lang="cs-CZ" dirty="0"/>
+              <a:t>Tisíce obětí (vojáci i civilisti)</a:t>
+            </a:r>
+          </a:p>
+          <a:p>
+            <a:endParaRPr lang="en-GB" dirty="0"/>
           </a:p>
         </p:txBody>
       </p:sp>
     </p:spTree>
     <p:extLst>
       <p:ext uri="{BB962C8B-B14F-4D97-AF65-F5344CB8AC3E}">
-        <p14:creationId xmlns:p14="http://schemas.microsoft.com/office/powerpoint/2010/main" val="1118290731"/>
+        <p14:creationId xmlns:p14="http://schemas.microsoft.com/office/powerpoint/2010/main" val="1023733884"/>
       </p:ext>
     </p:extLst>
   </p:cSld>
   <p:clrMapOvr>
     <a:masterClrMapping/>
   </p:clrMapOvr>
+  <mc:AlternateContent xmlns:mc="http://schemas.openxmlformats.org/markup-compatibility/2006">
+    <mc:Choice xmlns:p14="http://schemas.microsoft.com/office/powerpoint/2010/main" Requires="p14">
+      <p:transition spd="slow" p14:dur="3000">
+        <p:pull/>
+      </p:transition>
+    </mc:Choice>
+    <mc:Fallback>
+      <p:transition spd="slow">
+        <p:pull/>
+      </p:transition>
+    </mc:Fallback>
+  </mc:AlternateContent>
 </p:sld>
 </file>
 
@@ -6781,7 +7068,7 @@
           <p:cNvPr id="2" name="Nadpis 1">
             <a:extLst>
               <a:ext uri="{FF2B5EF4-FFF2-40B4-BE49-F238E27FC236}">
-                <a16:creationId xmlns:a16="http://schemas.microsoft.com/office/drawing/2014/main" id="{02B30957-08FB-4253-883C-7E85CFC9C415}"/>
+                <a16:creationId xmlns:a16="http://schemas.microsoft.com/office/drawing/2014/main" id="{F1F1270C-46E1-4E66-9694-9D3D244693A4}"/>
               </a:ext>
             </a:extLst>
           </p:cNvPr>
@@ -6797,7 +7084,11 @@
           <a:bodyPr/>
           <a:lstStyle/>
           <a:p>
-            <a:endParaRPr lang="en-GB"/>
+            <a:r>
+              <a:rPr lang="cs-CZ" dirty="0"/>
+              <a:t>Historie</a:t>
+            </a:r>
+            <a:endParaRPr lang="en-GB" dirty="0"/>
           </a:p>
         </p:txBody>
       </p:sp>
@@ -6806,7 +7097,7 @@
           <p:cNvPr id="3" name="Zástupný obsah 2">
             <a:extLst>
               <a:ext uri="{FF2B5EF4-FFF2-40B4-BE49-F238E27FC236}">
-                <a16:creationId xmlns:a16="http://schemas.microsoft.com/office/drawing/2014/main" id="{C2A564C1-01F8-47EE-A336-9CD2D654E6D4}"/>
+                <a16:creationId xmlns:a16="http://schemas.microsoft.com/office/drawing/2014/main" id="{280696B0-B6B2-47C2-A506-CEC79E63956A}"/>
               </a:ext>
             </a:extLst>
           </p:cNvPr>
@@ -6822,20 +7113,153 @@
           <a:bodyPr/>
           <a:lstStyle/>
           <a:p>
+            <a:r>
+              <a:rPr lang="cs-CZ" dirty="0"/>
+              <a:t>7. stol. - okolo řeky Brahmaputra </a:t>
+            </a:r>
+          </a:p>
+          <a:p>
+            <a:pPr lvl="1"/>
+            <a:r>
+              <a:rPr lang="cs-CZ" dirty="0"/>
+              <a:t>První stabilní státní útvar na tibetském území</a:t>
+            </a:r>
+          </a:p>
+          <a:p>
+            <a:r>
+              <a:rPr lang="cs-CZ" dirty="0"/>
+              <a:t>8. stol. - Rozšiřování území</a:t>
+            </a:r>
+          </a:p>
+          <a:p>
+            <a:r>
+              <a:rPr lang="cs-CZ" dirty="0"/>
+              <a:t>17. stol. – Svržen král, dosazen dalajláma</a:t>
+            </a:r>
+          </a:p>
+          <a:p>
+            <a:endParaRPr lang="cs-CZ" dirty="0"/>
+          </a:p>
+        </p:txBody>
+      </p:sp>
+      <p:sp>
+        <p:nvSpPr>
+          <p:cNvPr id="5" name="Obdélník 4">
+            <a:extLst>
+              <a:ext uri="{FF2B5EF4-FFF2-40B4-BE49-F238E27FC236}">
+                <a16:creationId xmlns:a16="http://schemas.microsoft.com/office/drawing/2014/main" id="{587336F9-1641-4405-A6A9-76F2CF2D73C5}"/>
+              </a:ext>
+            </a:extLst>
+          </p:cNvPr>
+          <p:cNvSpPr/>
+          <p:nvPr/>
+        </p:nvSpPr>
+        <p:spPr>
+          <a:xfrm>
+            <a:off x="8154216" y="2638521"/>
+            <a:ext cx="3352800" cy="4236897"/>
+          </a:xfrm>
+          <a:prstGeom prst="rect">
+            <a:avLst/>
+          </a:prstGeom>
+          <a:effectLst>
+            <a:softEdge rad="317500"/>
+          </a:effectLst>
+        </p:spPr>
+        <p:style>
+          <a:lnRef idx="2">
+            <a:schemeClr val="dk1">
+              <a:shade val="50000"/>
+            </a:schemeClr>
+          </a:lnRef>
+          <a:fillRef idx="1">
+            <a:schemeClr val="dk1"/>
+          </a:fillRef>
+          <a:effectRef idx="0">
+            <a:schemeClr val="dk1"/>
+          </a:effectRef>
+          <a:fontRef idx="minor">
+            <a:schemeClr val="lt1"/>
+          </a:fontRef>
+        </p:style>
+        <p:txBody>
+          <a:bodyPr rtlCol="0" anchor="ctr"/>
+          <a:lstStyle/>
+          <a:p>
+            <a:pPr algn="ctr"/>
             <a:endParaRPr lang="en-GB"/>
           </a:p>
         </p:txBody>
       </p:sp>
+      <p:pic>
+        <p:nvPicPr>
+          <p:cNvPr id="2050" name="Picture 2">
+            <a:extLst>
+              <a:ext uri="{FF2B5EF4-FFF2-40B4-BE49-F238E27FC236}">
+                <a16:creationId xmlns:a16="http://schemas.microsoft.com/office/drawing/2014/main" id="{2AC132C0-08D5-466B-91E1-129D774B756E}"/>
+              </a:ext>
+            </a:extLst>
+          </p:cNvPr>
+          <p:cNvPicPr>
+            <a:picLocks noChangeAspect="1" noChangeArrowheads="1"/>
+          </p:cNvPicPr>
+          <p:nvPr/>
+        </p:nvPicPr>
+        <p:blipFill>
+          <a:blip r:embed="rId2">
+            <a:extLst>
+              <a:ext uri="{28A0092B-C50C-407E-A947-70E740481C1C}">
+                <a14:useLocalDpi xmlns:a14="http://schemas.microsoft.com/office/drawing/2010/main" val="0"/>
+              </a:ext>
+            </a:extLst>
+          </a:blip>
+          <a:srcRect/>
+          <a:stretch>
+            <a:fillRect/>
+          </a:stretch>
+        </p:blipFill>
+        <p:spPr bwMode="auto">
+          <a:xfrm>
+            <a:off x="8575221" y="3103932"/>
+            <a:ext cx="2493373" cy="3309386"/>
+          </a:xfrm>
+          <a:prstGeom prst="rect">
+            <a:avLst/>
+          </a:prstGeom>
+          <a:noFill/>
+          <a:extLst>
+            <a:ext uri="{909E8E84-426E-40DD-AFC4-6F175D3DCCD1}">
+              <a14:hiddenFill xmlns:a14="http://schemas.microsoft.com/office/drawing/2010/main">
+                <a:solidFill>
+                  <a:srgbClr val="FFFFFF"/>
+                </a:solidFill>
+              </a14:hiddenFill>
+            </a:ext>
+          </a:extLst>
+        </p:spPr>
+      </p:pic>
     </p:spTree>
     <p:extLst>
       <p:ext uri="{BB962C8B-B14F-4D97-AF65-F5344CB8AC3E}">
-        <p14:creationId xmlns:p14="http://schemas.microsoft.com/office/powerpoint/2010/main" val="1023641579"/>
+        <p14:creationId xmlns:p14="http://schemas.microsoft.com/office/powerpoint/2010/main" val="3782951564"/>
       </p:ext>
     </p:extLst>
   </p:cSld>
   <p:clrMapOvr>
     <a:masterClrMapping/>
   </p:clrMapOvr>
+  <mc:AlternateContent xmlns:mc="http://schemas.openxmlformats.org/markup-compatibility/2006">
+    <mc:Choice xmlns:p14="http://schemas.microsoft.com/office/powerpoint/2010/main" Requires="p14">
+      <p:transition spd="slow" p14:dur="3000">
+        <p:pull/>
+      </p:transition>
+    </mc:Choice>
+    <mc:Fallback>
+      <p:transition spd="slow">
+        <p:pull/>
+      </p:transition>
+    </mc:Fallback>
+  </mc:AlternateContent>
 </p:sld>
 </file>
 
@@ -6924,6 +7348,18 @@
   <p:clrMapOvr>
     <a:masterClrMapping/>
   </p:clrMapOvr>
+  <mc:AlternateContent xmlns:mc="http://schemas.openxmlformats.org/markup-compatibility/2006">
+    <mc:Choice xmlns:p14="http://schemas.microsoft.com/office/powerpoint/2010/main" Requires="p14">
+      <p:transition spd="slow" p14:dur="3000">
+        <p:pull/>
+      </p:transition>
+    </mc:Choice>
+    <mc:Fallback>
+      <p:transition spd="slow">
+        <p:pull/>
+      </p:transition>
+    </mc:Fallback>
+  </mc:AlternateContent>
 </p:sld>
 </file>
 
@@ -7012,6 +7448,18 @@
   <p:clrMapOvr>
     <a:masterClrMapping/>
   </p:clrMapOvr>
+  <mc:AlternateContent xmlns:mc="http://schemas.openxmlformats.org/markup-compatibility/2006">
+    <mc:Choice xmlns:p14="http://schemas.microsoft.com/office/powerpoint/2010/main" Requires="p14">
+      <p:transition spd="slow" p14:dur="3000">
+        <p:pull/>
+      </p:transition>
+    </mc:Choice>
+    <mc:Fallback>
+      <p:transition spd="slow">
+        <p:pull/>
+      </p:transition>
+    </mc:Fallback>
+  </mc:AlternateContent>
 </p:sld>
 </file>
 
@@ -7250,6 +7698,18 @@
   <p:clrMapOvr>
     <a:masterClrMapping/>
   </p:clrMapOvr>
+  <mc:AlternateContent xmlns:mc="http://schemas.openxmlformats.org/markup-compatibility/2006">
+    <mc:Choice xmlns:p14="http://schemas.microsoft.com/office/powerpoint/2010/main" Requires="p14">
+      <p:transition spd="slow" p14:dur="3000">
+        <p:pull/>
+      </p:transition>
+    </mc:Choice>
+    <mc:Fallback>
+      <p:transition spd="slow">
+        <p:pull/>
+      </p:transition>
+    </mc:Fallback>
+  </mc:AlternateContent>
 </p:sld>
 </file>
 
@@ -7454,6 +7914,53 @@
           </a:extLst>
         </p:spPr>
       </p:pic>
+      <p:pic>
+        <p:nvPicPr>
+          <p:cNvPr id="6" name="Picture 4" descr="Discord Invisible Rickroll Sticker - Discord Invisible Rickroll Stickers">
+            <a:extLst>
+              <a:ext uri="{FF2B5EF4-FFF2-40B4-BE49-F238E27FC236}">
+                <a16:creationId xmlns:a16="http://schemas.microsoft.com/office/drawing/2014/main" id="{49F8B3A0-40B0-4EB2-86A7-349B42E46565}"/>
+              </a:ext>
+            </a:extLst>
+          </p:cNvPr>
+          <p:cNvPicPr>
+            <a:picLocks noChangeAspect="1" noChangeArrowheads="1"/>
+          </p:cNvPicPr>
+          <p:nvPr/>
+        </p:nvPicPr>
+        <p:blipFill>
+          <a:blip r:embed="rId4">
+            <a:extLst>
+              <a:ext uri="{28A0092B-C50C-407E-A947-70E740481C1C}">
+                <a14:useLocalDpi xmlns:a14="http://schemas.microsoft.com/office/drawing/2010/main" val="0"/>
+              </a:ext>
+            </a:extLst>
+          </a:blip>
+          <a:srcRect/>
+          <a:stretch>
+            <a:fillRect/>
+          </a:stretch>
+        </p:blipFill>
+        <p:spPr bwMode="auto">
+          <a:xfrm>
+            <a:off x="1" y="6282204"/>
+            <a:ext cx="518984" cy="575796"/>
+          </a:xfrm>
+          <a:prstGeom prst="rect">
+            <a:avLst/>
+          </a:prstGeom>
+          <a:noFill/>
+          <a:extLst>
+            <a:ext uri="{909E8E84-426E-40DD-AFC4-6F175D3DCCD1}">
+              <a14:hiddenFill xmlns:a14="http://schemas.microsoft.com/office/drawing/2010/main">
+                <a:solidFill>
+                  <a:srgbClr val="FFFFFF"/>
+                </a:solidFill>
+              </a14:hiddenFill>
+            </a:ext>
+          </a:extLst>
+        </p:spPr>
+      </p:pic>
     </p:spTree>
     <p:extLst>
       <p:ext uri="{BB962C8B-B14F-4D97-AF65-F5344CB8AC3E}">
@@ -7464,6 +7971,18 @@
   <p:clrMapOvr>
     <a:masterClrMapping/>
   </p:clrMapOvr>
+  <mc:AlternateContent xmlns:mc="http://schemas.openxmlformats.org/markup-compatibility/2006">
+    <mc:Choice xmlns:p14="http://schemas.microsoft.com/office/powerpoint/2010/main" Requires="p14">
+      <p:transition spd="slow" p14:dur="3000">
+        <p:pull/>
+      </p:transition>
+    </mc:Choice>
+    <mc:Fallback>
+      <p:transition spd="slow">
+        <p:pull/>
+      </p:transition>
+    </mc:Fallback>
+  </mc:AlternateContent>
 </p:sld>
 </file>
 
@@ -7603,6 +8122,53 @@
           </a:graphicData>
         </a:graphic>
       </p:graphicFrame>
+      <p:pic>
+        <p:nvPicPr>
+          <p:cNvPr id="5" name="Picture 4" descr="Discord Invisible Rickroll Sticker - Discord Invisible Rickroll Stickers">
+            <a:extLst>
+              <a:ext uri="{FF2B5EF4-FFF2-40B4-BE49-F238E27FC236}">
+                <a16:creationId xmlns:a16="http://schemas.microsoft.com/office/drawing/2014/main" id="{7D0C11D0-8B10-4E38-B055-7ECE44E8DD54}"/>
+              </a:ext>
+            </a:extLst>
+          </p:cNvPr>
+          <p:cNvPicPr>
+            <a:picLocks noChangeAspect="1" noChangeArrowheads="1"/>
+          </p:cNvPicPr>
+          <p:nvPr/>
+        </p:nvPicPr>
+        <p:blipFill>
+          <a:blip r:embed="rId4">
+            <a:extLst>
+              <a:ext uri="{28A0092B-C50C-407E-A947-70E740481C1C}">
+                <a14:useLocalDpi xmlns:a14="http://schemas.microsoft.com/office/drawing/2010/main" val="0"/>
+              </a:ext>
+            </a:extLst>
+          </a:blip>
+          <a:srcRect/>
+          <a:stretch>
+            <a:fillRect/>
+          </a:stretch>
+        </p:blipFill>
+        <p:spPr bwMode="auto">
+          <a:xfrm>
+            <a:off x="1" y="6282204"/>
+            <a:ext cx="518984" cy="575796"/>
+          </a:xfrm>
+          <a:prstGeom prst="rect">
+            <a:avLst/>
+          </a:prstGeom>
+          <a:noFill/>
+          <a:extLst>
+            <a:ext uri="{909E8E84-426E-40DD-AFC4-6F175D3DCCD1}">
+              <a14:hiddenFill xmlns:a14="http://schemas.microsoft.com/office/drawing/2010/main">
+                <a:solidFill>
+                  <a:srgbClr val="FFFFFF"/>
+                </a:solidFill>
+              </a14:hiddenFill>
+            </a:ext>
+          </a:extLst>
+        </p:spPr>
+      </p:pic>
     </p:spTree>
     <p:extLst>
       <p:ext uri="{BB962C8B-B14F-4D97-AF65-F5344CB8AC3E}">
@@ -7613,6 +8179,18 @@
   <p:clrMapOvr>
     <a:masterClrMapping/>
   </p:clrMapOvr>
+  <mc:AlternateContent xmlns:mc="http://schemas.openxmlformats.org/markup-compatibility/2006">
+    <mc:Choice xmlns:p14="http://schemas.microsoft.com/office/powerpoint/2010/main" Requires="p14">
+      <p:transition spd="slow" p14:dur="3000">
+        <p:pull/>
+      </p:transition>
+    </mc:Choice>
+    <mc:Fallback>
+      <p:transition spd="slow">
+        <p:pull/>
+      </p:transition>
+    </mc:Fallback>
+  </mc:AlternateContent>
 </p:sld>
 </file>
 
@@ -8108,178 +8686,12 @@
           </a:extLst>
         </p:spPr>
       </p:pic>
-    </p:spTree>
-    <p:extLst>
-      <p:ext uri="{BB962C8B-B14F-4D97-AF65-F5344CB8AC3E}">
-        <p14:creationId xmlns:p14="http://schemas.microsoft.com/office/powerpoint/2010/main" val="4073650018"/>
-      </p:ext>
-    </p:extLst>
-  </p:cSld>
-  <p:clrMapOvr>
-    <a:masterClrMapping/>
-  </p:clrMapOvr>
-</p:sld>
-</file>
-
-<file path=ppt/slides/slide5.xml><?xml version="1.0" encoding="utf-8"?>
-<p:sld xmlns:a="http://schemas.openxmlformats.org/drawingml/2006/main" xmlns:r="http://schemas.openxmlformats.org/officeDocument/2006/relationships" xmlns:p="http://schemas.openxmlformats.org/presentationml/2006/main">
-  <p:cSld>
-    <p:bg>
-      <p:bgPr>
-        <a:solidFill>
-          <a:srgbClr val="262626"/>
-        </a:solidFill>
-        <a:effectLst/>
-      </p:bgPr>
-    </p:bg>
-    <p:spTree>
-      <p:nvGrpSpPr>
-        <p:cNvPr id="1" name=""/>
-        <p:cNvGrpSpPr/>
-        <p:nvPr/>
-      </p:nvGrpSpPr>
-      <p:grpSpPr>
-        <a:xfrm>
-          <a:off x="0" y="0"/>
-          <a:ext cx="0" cy="0"/>
-          <a:chOff x="0" y="0"/>
-          <a:chExt cx="0" cy="0"/>
-        </a:xfrm>
-      </p:grpSpPr>
-      <p:sp>
-        <p:nvSpPr>
-          <p:cNvPr id="2" name="Nadpis 1">
+      <p:pic>
+        <p:nvPicPr>
+          <p:cNvPr id="12" name="Picture 4" descr="Discord Invisible Rickroll Sticker - Discord Invisible Rickroll Stickers">
             <a:extLst>
               <a:ext uri="{FF2B5EF4-FFF2-40B4-BE49-F238E27FC236}">
-                <a16:creationId xmlns:a16="http://schemas.microsoft.com/office/drawing/2014/main" id="{F1F1270C-46E1-4E66-9694-9D3D244693A4}"/>
-              </a:ext>
-            </a:extLst>
-          </p:cNvPr>
-          <p:cNvSpPr>
-            <a:spLocks noGrp="1"/>
-          </p:cNvSpPr>
-          <p:nvPr>
-            <p:ph type="title"/>
-          </p:nvPr>
-        </p:nvSpPr>
-        <p:spPr/>
-        <p:txBody>
-          <a:bodyPr/>
-          <a:lstStyle/>
-          <a:p>
-            <a:r>
-              <a:rPr lang="cs-CZ" dirty="0"/>
-              <a:t>Historie</a:t>
-            </a:r>
-            <a:endParaRPr lang="en-GB" dirty="0"/>
-          </a:p>
-        </p:txBody>
-      </p:sp>
-      <p:sp>
-        <p:nvSpPr>
-          <p:cNvPr id="3" name="Zástupný obsah 2">
-            <a:extLst>
-              <a:ext uri="{FF2B5EF4-FFF2-40B4-BE49-F238E27FC236}">
-                <a16:creationId xmlns:a16="http://schemas.microsoft.com/office/drawing/2014/main" id="{280696B0-B6B2-47C2-A506-CEC79E63956A}"/>
-              </a:ext>
-            </a:extLst>
-          </p:cNvPr>
-          <p:cNvSpPr>
-            <a:spLocks noGrp="1"/>
-          </p:cNvSpPr>
-          <p:nvPr>
-            <p:ph idx="1"/>
-          </p:nvPr>
-        </p:nvSpPr>
-        <p:spPr/>
-        <p:txBody>
-          <a:bodyPr/>
-          <a:lstStyle/>
-          <a:p>
-            <a:r>
-              <a:rPr lang="cs-CZ" dirty="0"/>
-              <a:t>7. stol. - okolo řeky Brahmaputra </a:t>
-            </a:r>
-          </a:p>
-          <a:p>
-            <a:pPr lvl="1"/>
-            <a:r>
-              <a:rPr lang="cs-CZ" dirty="0"/>
-              <a:t>První stabilní státní útvar na tibetském území</a:t>
-            </a:r>
-          </a:p>
-          <a:p>
-            <a:r>
-              <a:rPr lang="cs-CZ" dirty="0"/>
-              <a:t>8. stol. - Rozšiřování území</a:t>
-            </a:r>
-          </a:p>
-          <a:p>
-            <a:r>
-              <a:rPr lang="cs-CZ" dirty="0"/>
-              <a:t>17. stol. – Svržen král, dosazen dalajláma</a:t>
-            </a:r>
-          </a:p>
-          <a:p>
-            <a:endParaRPr lang="cs-CZ" dirty="0"/>
-          </a:p>
-        </p:txBody>
-      </p:sp>
-      <p:sp>
-        <p:nvSpPr>
-          <p:cNvPr id="5" name="Obdélník 4">
-            <a:extLst>
-              <a:ext uri="{FF2B5EF4-FFF2-40B4-BE49-F238E27FC236}">
-                <a16:creationId xmlns:a16="http://schemas.microsoft.com/office/drawing/2014/main" id="{587336F9-1641-4405-A6A9-76F2CF2D73C5}"/>
-              </a:ext>
-            </a:extLst>
-          </p:cNvPr>
-          <p:cNvSpPr/>
-          <p:nvPr/>
-        </p:nvSpPr>
-        <p:spPr>
-          <a:xfrm>
-            <a:off x="8154216" y="2638521"/>
-            <a:ext cx="3352800" cy="4236897"/>
-          </a:xfrm>
-          <a:prstGeom prst="rect">
-            <a:avLst/>
-          </a:prstGeom>
-          <a:effectLst>
-            <a:softEdge rad="317500"/>
-          </a:effectLst>
-        </p:spPr>
-        <p:style>
-          <a:lnRef idx="2">
-            <a:schemeClr val="dk1">
-              <a:shade val="50000"/>
-            </a:schemeClr>
-          </a:lnRef>
-          <a:fillRef idx="1">
-            <a:schemeClr val="dk1"/>
-          </a:fillRef>
-          <a:effectRef idx="0">
-            <a:schemeClr val="dk1"/>
-          </a:effectRef>
-          <a:fontRef idx="minor">
-            <a:schemeClr val="lt1"/>
-          </a:fontRef>
-        </p:style>
-        <p:txBody>
-          <a:bodyPr rtlCol="0" anchor="ctr"/>
-          <a:lstStyle/>
-          <a:p>
-            <a:pPr algn="ctr"/>
-            <a:endParaRPr lang="en-GB"/>
-          </a:p>
-        </p:txBody>
-      </p:sp>
-      <p:pic>
-        <p:nvPicPr>
-          <p:cNvPr id="2050" name="Picture 2">
-            <a:extLst>
-              <a:ext uri="{FF2B5EF4-FFF2-40B4-BE49-F238E27FC236}">
-                <a16:creationId xmlns:a16="http://schemas.microsoft.com/office/drawing/2014/main" id="{2AC132C0-08D5-466B-91E1-129D774B756E}"/>
+                <a16:creationId xmlns:a16="http://schemas.microsoft.com/office/drawing/2014/main" id="{A17CDF00-FB9E-40F3-8EDC-D9BA7EAE8AB6}"/>
               </a:ext>
             </a:extLst>
           </p:cNvPr>
@@ -8289,7 +8701,7 @@
           <p:nvPr/>
         </p:nvPicPr>
         <p:blipFill>
-          <a:blip r:embed="rId2">
+          <a:blip r:embed="rId9">
             <a:extLst>
               <a:ext uri="{28A0092B-C50C-407E-A947-70E740481C1C}">
                 <a14:useLocalDpi xmlns:a14="http://schemas.microsoft.com/office/drawing/2010/main" val="0"/>
@@ -8303,8 +8715,8 @@
         </p:blipFill>
         <p:spPr bwMode="auto">
           <a:xfrm>
-            <a:off x="8575221" y="3103932"/>
-            <a:ext cx="2493373" cy="3309386"/>
+            <a:off x="1" y="6282204"/>
+            <a:ext cx="518984" cy="575796"/>
           </a:xfrm>
           <a:prstGeom prst="rect">
             <a:avLst/>
@@ -8324,139 +8736,29 @@
     </p:spTree>
     <p:extLst>
       <p:ext uri="{BB962C8B-B14F-4D97-AF65-F5344CB8AC3E}">
-        <p14:creationId xmlns:p14="http://schemas.microsoft.com/office/powerpoint/2010/main" val="3782951564"/>
+        <p14:creationId xmlns:p14="http://schemas.microsoft.com/office/powerpoint/2010/main" val="4073650018"/>
       </p:ext>
     </p:extLst>
   </p:cSld>
   <p:clrMapOvr>
     <a:masterClrMapping/>
   </p:clrMapOvr>
+  <mc:AlternateContent xmlns:mc="http://schemas.openxmlformats.org/markup-compatibility/2006">
+    <mc:Choice xmlns:p14="http://schemas.microsoft.com/office/powerpoint/2010/main" Requires="p14">
+      <p:transition spd="slow" p14:dur="3000">
+        <p:pull/>
+      </p:transition>
+    </mc:Choice>
+    <mc:Fallback>
+      <p:transition spd="slow">
+        <p:pull/>
+      </p:transition>
+    </mc:Fallback>
+  </mc:AlternateContent>
 </p:sld>
 </file>
 
-<file path=ppt/slides/slide6.xml><?xml version="1.0" encoding="utf-8"?>
-<p:sld xmlns:a="http://schemas.openxmlformats.org/drawingml/2006/main" xmlns:r="http://schemas.openxmlformats.org/officeDocument/2006/relationships" xmlns:p="http://schemas.openxmlformats.org/presentationml/2006/main">
-  <p:cSld>
-    <p:bg>
-      <p:bgPr>
-        <a:solidFill>
-          <a:srgbClr val="262626"/>
-        </a:solidFill>
-        <a:effectLst/>
-      </p:bgPr>
-    </p:bg>
-    <p:spTree>
-      <p:nvGrpSpPr>
-        <p:cNvPr id="1" name=""/>
-        <p:cNvGrpSpPr/>
-        <p:nvPr/>
-      </p:nvGrpSpPr>
-      <p:grpSpPr>
-        <a:xfrm>
-          <a:off x="0" y="0"/>
-          <a:ext cx="0" cy="0"/>
-          <a:chOff x="0" y="0"/>
-          <a:chExt cx="0" cy="0"/>
-        </a:xfrm>
-      </p:grpSpPr>
-      <p:sp>
-        <p:nvSpPr>
-          <p:cNvPr id="2" name="Nadpis 1">
-            <a:extLst>
-              <a:ext uri="{FF2B5EF4-FFF2-40B4-BE49-F238E27FC236}">
-                <a16:creationId xmlns:a16="http://schemas.microsoft.com/office/drawing/2014/main" id="{F1F1270C-46E1-4E66-9694-9D3D244693A4}"/>
-              </a:ext>
-            </a:extLst>
-          </p:cNvPr>
-          <p:cNvSpPr>
-            <a:spLocks noGrp="1"/>
-          </p:cNvSpPr>
-          <p:nvPr>
-            <p:ph type="title"/>
-          </p:nvPr>
-        </p:nvSpPr>
-        <p:spPr/>
-        <p:txBody>
-          <a:bodyPr/>
-          <a:lstStyle/>
-          <a:p>
-            <a:r>
-              <a:rPr lang="cs-CZ" dirty="0"/>
-              <a:t>Historie</a:t>
-            </a:r>
-            <a:endParaRPr lang="en-GB" dirty="0"/>
-          </a:p>
-        </p:txBody>
-      </p:sp>
-      <p:sp>
-        <p:nvSpPr>
-          <p:cNvPr id="4" name="Zástupný obsah 3">
-            <a:extLst>
-              <a:ext uri="{FF2B5EF4-FFF2-40B4-BE49-F238E27FC236}">
-                <a16:creationId xmlns:a16="http://schemas.microsoft.com/office/drawing/2014/main" id="{52FFEA0E-93A7-481A-932D-F8F939BAB961}"/>
-              </a:ext>
-            </a:extLst>
-          </p:cNvPr>
-          <p:cNvSpPr>
-            <a:spLocks noGrp="1"/>
-          </p:cNvSpPr>
-          <p:nvPr>
-            <p:ph idx="1"/>
-          </p:nvPr>
-        </p:nvSpPr>
-        <p:spPr>
-          <a:xfrm>
-            <a:off x="965756" y="1848315"/>
-            <a:ext cx="10515600" cy="4351338"/>
-          </a:xfrm>
-        </p:spPr>
-        <p:txBody>
-          <a:bodyPr/>
-          <a:lstStyle/>
-          <a:p>
-            <a:r>
-              <a:rPr lang="cs-CZ" dirty="0"/>
-              <a:t>18.-19. stol. – Pokusy Evropanů i navázání kontaktů</a:t>
-            </a:r>
-          </a:p>
-          <a:p>
-            <a:r>
-              <a:rPr lang="cs-CZ" dirty="0"/>
-              <a:t>19. stol. – Tibet stal křižovatkou strategických zájmů mocností, zejména Anglie a Ruska </a:t>
-            </a:r>
-          </a:p>
-          <a:p>
-            <a:r>
-              <a:rPr lang="cs-CZ" dirty="0"/>
-              <a:t>20. stol. – Vojenská expedice Britů</a:t>
-            </a:r>
-          </a:p>
-          <a:p>
-            <a:pPr lvl="1"/>
-            <a:r>
-              <a:rPr lang="cs-CZ" dirty="0"/>
-              <a:t>Tisíce obětí (vojáci i civilisti)</a:t>
-            </a:r>
-          </a:p>
-          <a:p>
-            <a:endParaRPr lang="en-GB" dirty="0"/>
-          </a:p>
-        </p:txBody>
-      </p:sp>
-    </p:spTree>
-    <p:extLst>
-      <p:ext uri="{BB962C8B-B14F-4D97-AF65-F5344CB8AC3E}">
-        <p14:creationId xmlns:p14="http://schemas.microsoft.com/office/powerpoint/2010/main" val="1023733884"/>
-      </p:ext>
-    </p:extLst>
-  </p:cSld>
-  <p:clrMapOvr>
-    <a:masterClrMapping/>
-  </p:clrMapOvr>
-</p:sld>
-</file>
-
-<file path=ppt/slides/slide7.xml><?xml version="1.0" encoding="utf-8"?>
+<file path=ppt/slides/slide5.xml><?xml version="1.0" encoding="utf-8"?>
 <p:sld xmlns:a="http://schemas.openxmlformats.org/drawingml/2006/main" xmlns:r="http://schemas.openxmlformats.org/officeDocument/2006/relationships" xmlns:p="http://schemas.openxmlformats.org/presentationml/2006/main">
   <p:cSld>
     <p:bg>
@@ -8677,6 +8979,53 @@
           </a:extLst>
         </p:spPr>
       </p:pic>
+      <p:pic>
+        <p:nvPicPr>
+          <p:cNvPr id="6" name="Picture 4" descr="Discord Invisible Rickroll Sticker - Discord Invisible Rickroll Stickers">
+            <a:extLst>
+              <a:ext uri="{FF2B5EF4-FFF2-40B4-BE49-F238E27FC236}">
+                <a16:creationId xmlns:a16="http://schemas.microsoft.com/office/drawing/2014/main" id="{7DA9DC9A-8C21-4F42-90CE-A86D6CF9D220}"/>
+              </a:ext>
+            </a:extLst>
+          </p:cNvPr>
+          <p:cNvPicPr>
+            <a:picLocks noChangeAspect="1" noChangeArrowheads="1"/>
+          </p:cNvPicPr>
+          <p:nvPr/>
+        </p:nvPicPr>
+        <p:blipFill>
+          <a:blip r:embed="rId3">
+            <a:extLst>
+              <a:ext uri="{28A0092B-C50C-407E-A947-70E740481C1C}">
+                <a14:useLocalDpi xmlns:a14="http://schemas.microsoft.com/office/drawing/2010/main" val="0"/>
+              </a:ext>
+            </a:extLst>
+          </a:blip>
+          <a:srcRect/>
+          <a:stretch>
+            <a:fillRect/>
+          </a:stretch>
+        </p:blipFill>
+        <p:spPr bwMode="auto">
+          <a:xfrm>
+            <a:off x="1" y="6282204"/>
+            <a:ext cx="518984" cy="575796"/>
+          </a:xfrm>
+          <a:prstGeom prst="rect">
+            <a:avLst/>
+          </a:prstGeom>
+          <a:noFill/>
+          <a:extLst>
+            <a:ext uri="{909E8E84-426E-40DD-AFC4-6F175D3DCCD1}">
+              <a14:hiddenFill xmlns:a14="http://schemas.microsoft.com/office/drawing/2010/main">
+                <a:solidFill>
+                  <a:srgbClr val="FFFFFF"/>
+                </a:solidFill>
+              </a14:hiddenFill>
+            </a:ext>
+          </a:extLst>
+        </p:spPr>
+      </p:pic>
     </p:spTree>
     <p:extLst>
       <p:ext uri="{BB962C8B-B14F-4D97-AF65-F5344CB8AC3E}">
@@ -8687,10 +9036,22 @@
   <p:clrMapOvr>
     <a:masterClrMapping/>
   </p:clrMapOvr>
+  <mc:AlternateContent xmlns:mc="http://schemas.openxmlformats.org/markup-compatibility/2006">
+    <mc:Choice xmlns:p14="http://schemas.microsoft.com/office/powerpoint/2010/main" Requires="p14">
+      <p:transition spd="slow" p14:dur="3000">
+        <p:pull/>
+      </p:transition>
+    </mc:Choice>
+    <mc:Fallback>
+      <p:transition spd="slow">
+        <p:pull/>
+      </p:transition>
+    </mc:Fallback>
+  </mc:AlternateContent>
 </p:sld>
 </file>
 
-<file path=ppt/slides/slide8.xml><?xml version="1.0" encoding="utf-8"?>
+<file path=ppt/slides/slide6.xml><?xml version="1.0" encoding="utf-8"?>
 <p:sld xmlns:a="http://schemas.openxmlformats.org/drawingml/2006/main" xmlns:r="http://schemas.openxmlformats.org/officeDocument/2006/relationships" xmlns:p="http://schemas.openxmlformats.org/presentationml/2006/main">
   <p:cSld>
     <p:bg>
@@ -8788,6 +9149,55 @@
           </a:p>
           <a:p>
             <a:endParaRPr lang="en-GB" dirty="0"/>
+          </a:p>
+        </p:txBody>
+      </p:sp>
+      <p:sp>
+        <p:nvSpPr>
+          <p:cNvPr id="5" name="Obdélník 4">
+            <a:extLst>
+              <a:ext uri="{FF2B5EF4-FFF2-40B4-BE49-F238E27FC236}">
+                <a16:creationId xmlns:a16="http://schemas.microsoft.com/office/drawing/2014/main" id="{2BEC20C5-F1E6-4409-98CB-6596F4702643}"/>
+              </a:ext>
+            </a:extLst>
+          </p:cNvPr>
+          <p:cNvSpPr/>
+          <p:nvPr/>
+        </p:nvSpPr>
+        <p:spPr>
+          <a:xfrm>
+            <a:off x="8507399" y="1825625"/>
+            <a:ext cx="3814413" cy="4667250"/>
+          </a:xfrm>
+          <a:prstGeom prst="rect">
+            <a:avLst/>
+          </a:prstGeom>
+          <a:effectLst>
+            <a:softEdge rad="317500"/>
+          </a:effectLst>
+        </p:spPr>
+        <p:style>
+          <a:lnRef idx="2">
+            <a:schemeClr val="dk1">
+              <a:shade val="50000"/>
+            </a:schemeClr>
+          </a:lnRef>
+          <a:fillRef idx="1">
+            <a:schemeClr val="dk1"/>
+          </a:fillRef>
+          <a:effectRef idx="0">
+            <a:schemeClr val="dk1"/>
+          </a:effectRef>
+          <a:fontRef idx="minor">
+            <a:schemeClr val="lt1"/>
+          </a:fontRef>
+        </p:style>
+        <p:txBody>
+          <a:bodyPr rtlCol="0" anchor="ctr"/>
+          <a:lstStyle/>
+          <a:p>
+            <a:pPr algn="ctr"/>
+            <a:endParaRPr lang="en-GB"/>
           </a:p>
         </p:txBody>
       </p:sp>
@@ -8820,8 +9230,55 @@
         </p:blipFill>
         <p:spPr bwMode="auto">
           <a:xfrm>
-            <a:off x="8935982" y="2133600"/>
+            <a:off x="8987258" y="2364337"/>
             <a:ext cx="2820513" cy="3597721"/>
+          </a:xfrm>
+          <a:prstGeom prst="rect">
+            <a:avLst/>
+          </a:prstGeom>
+          <a:noFill/>
+          <a:extLst>
+            <a:ext uri="{909E8E84-426E-40DD-AFC4-6F175D3DCCD1}">
+              <a14:hiddenFill xmlns:a14="http://schemas.microsoft.com/office/drawing/2010/main">
+                <a:solidFill>
+                  <a:srgbClr val="FFFFFF"/>
+                </a:solidFill>
+              </a14:hiddenFill>
+            </a:ext>
+          </a:extLst>
+        </p:spPr>
+      </p:pic>
+      <p:pic>
+        <p:nvPicPr>
+          <p:cNvPr id="6" name="Picture 4" descr="Discord Invisible Rickroll Sticker - Discord Invisible Rickroll Stickers">
+            <a:extLst>
+              <a:ext uri="{FF2B5EF4-FFF2-40B4-BE49-F238E27FC236}">
+                <a16:creationId xmlns:a16="http://schemas.microsoft.com/office/drawing/2014/main" id="{4EC77C65-0623-48A0-8F09-5D4FF6096B9C}"/>
+              </a:ext>
+            </a:extLst>
+          </p:cNvPr>
+          <p:cNvPicPr>
+            <a:picLocks noChangeAspect="1" noChangeArrowheads="1"/>
+          </p:cNvPicPr>
+          <p:nvPr/>
+        </p:nvPicPr>
+        <p:blipFill>
+          <a:blip r:embed="rId3">
+            <a:extLst>
+              <a:ext uri="{28A0092B-C50C-407E-A947-70E740481C1C}">
+                <a14:useLocalDpi xmlns:a14="http://schemas.microsoft.com/office/drawing/2010/main" val="0"/>
+              </a:ext>
+            </a:extLst>
+          </a:blip>
+          <a:srcRect/>
+          <a:stretch>
+            <a:fillRect/>
+          </a:stretch>
+        </p:blipFill>
+        <p:spPr bwMode="auto">
+          <a:xfrm>
+            <a:off x="1" y="6282204"/>
+            <a:ext cx="518984" cy="575796"/>
           </a:xfrm>
           <a:prstGeom prst="rect">
             <a:avLst/>
@@ -8848,6 +9305,629 @@
   <p:clrMapOvr>
     <a:masterClrMapping/>
   </p:clrMapOvr>
+  <mc:AlternateContent xmlns:mc="http://schemas.openxmlformats.org/markup-compatibility/2006">
+    <mc:Choice xmlns:p14="http://schemas.microsoft.com/office/powerpoint/2010/main" Requires="p14">
+      <p:transition spd="slow" p14:dur="3000">
+        <p:pull/>
+      </p:transition>
+    </mc:Choice>
+    <mc:Fallback>
+      <p:transition spd="slow">
+        <p:pull/>
+      </p:transition>
+    </mc:Fallback>
+  </mc:AlternateContent>
+</p:sld>
+</file>
+
+<file path=ppt/slides/slide7.xml><?xml version="1.0" encoding="utf-8"?>
+<p:sld xmlns:a="http://schemas.openxmlformats.org/drawingml/2006/main" xmlns:r="http://schemas.openxmlformats.org/officeDocument/2006/relationships" xmlns:p="http://schemas.openxmlformats.org/presentationml/2006/main">
+  <p:cSld>
+    <p:bg>
+      <p:bgPr>
+        <a:solidFill>
+          <a:srgbClr val="262626"/>
+        </a:solidFill>
+        <a:effectLst/>
+      </p:bgPr>
+    </p:bg>
+    <p:spTree>
+      <p:nvGrpSpPr>
+        <p:cNvPr id="1" name=""/>
+        <p:cNvGrpSpPr/>
+        <p:nvPr/>
+      </p:nvGrpSpPr>
+      <p:grpSpPr>
+        <a:xfrm>
+          <a:off x="0" y="0"/>
+          <a:ext cx="0" cy="0"/>
+          <a:chOff x="0" y="0"/>
+          <a:chExt cx="0" cy="0"/>
+        </a:xfrm>
+      </p:grpSpPr>
+      <p:sp>
+        <p:nvSpPr>
+          <p:cNvPr id="2" name="Nadpis 1">
+            <a:extLst>
+              <a:ext uri="{FF2B5EF4-FFF2-40B4-BE49-F238E27FC236}">
+                <a16:creationId xmlns:a16="http://schemas.microsoft.com/office/drawing/2014/main" id="{7113E5A6-6198-4F06-A401-3006966BA734}"/>
+              </a:ext>
+            </a:extLst>
+          </p:cNvPr>
+          <p:cNvSpPr>
+            <a:spLocks noGrp="1"/>
+          </p:cNvSpPr>
+          <p:nvPr>
+            <p:ph type="title"/>
+          </p:nvPr>
+        </p:nvSpPr>
+        <p:spPr/>
+        <p:txBody>
+          <a:bodyPr/>
+          <a:lstStyle/>
+          <a:p>
+            <a:r>
+              <a:rPr lang="cs-CZ" dirty="0"/>
+              <a:t>Anexe Tibetu</a:t>
+            </a:r>
+          </a:p>
+        </p:txBody>
+      </p:sp>
+      <p:sp>
+        <p:nvSpPr>
+          <p:cNvPr id="3" name="Zástupný obsah 2">
+            <a:extLst>
+              <a:ext uri="{FF2B5EF4-FFF2-40B4-BE49-F238E27FC236}">
+                <a16:creationId xmlns:a16="http://schemas.microsoft.com/office/drawing/2014/main" id="{D4BE575A-6E5E-434C-9941-8F3AC52FAD16}"/>
+              </a:ext>
+            </a:extLst>
+          </p:cNvPr>
+          <p:cNvSpPr>
+            <a:spLocks noGrp="1"/>
+          </p:cNvSpPr>
+          <p:nvPr>
+            <p:ph idx="1"/>
+          </p:nvPr>
+        </p:nvSpPr>
+        <p:spPr>
+          <a:xfrm>
+            <a:off x="838200" y="1755246"/>
+            <a:ext cx="10515600" cy="4351338"/>
+          </a:xfrm>
+        </p:spPr>
+        <p:txBody>
+          <a:bodyPr/>
+          <a:lstStyle/>
+          <a:p>
+            <a:r>
+              <a:rPr lang="cs-CZ" dirty="0"/>
+              <a:t>1949 vstup ČLR do </a:t>
+            </a:r>
+            <a:r>
+              <a:rPr lang="cs-CZ" dirty="0" err="1"/>
+              <a:t>tibetu</a:t>
+            </a:r>
+            <a:endParaRPr lang="cs-CZ" dirty="0"/>
+          </a:p>
+          <a:p>
+            <a:r>
+              <a:rPr lang="cs-CZ" dirty="0"/>
+              <a:t>1951 poražení / osvobození </a:t>
+            </a:r>
+            <a:r>
+              <a:rPr lang="cs-CZ" dirty="0" err="1"/>
+              <a:t>tibetu</a:t>
+            </a:r>
+            <a:endParaRPr lang="cs-CZ" dirty="0"/>
+          </a:p>
+          <a:p>
+            <a:endParaRPr lang="cs-CZ" dirty="0"/>
+          </a:p>
+          <a:p>
+            <a:r>
+              <a:rPr lang="cs-CZ" dirty="0"/>
+              <a:t>Náboženská útlak</a:t>
+            </a:r>
+          </a:p>
+          <a:p>
+            <a:r>
+              <a:rPr lang="cs-CZ" dirty="0"/>
+              <a:t>Ničení památek, věznění mnichů,…</a:t>
+            </a:r>
+          </a:p>
+          <a:p>
+            <a:r>
+              <a:rPr lang="cs-CZ" dirty="0"/>
+              <a:t>Okolo 1,2 miliónu Tibeťanů přišlo o život</a:t>
+            </a:r>
+          </a:p>
+        </p:txBody>
+      </p:sp>
+      <p:sp>
+        <p:nvSpPr>
+          <p:cNvPr id="5" name="Obdélník 4">
+            <a:extLst>
+              <a:ext uri="{FF2B5EF4-FFF2-40B4-BE49-F238E27FC236}">
+                <a16:creationId xmlns:a16="http://schemas.microsoft.com/office/drawing/2014/main" id="{E9E0E9D5-8EA9-4FA6-9B58-CE26540C7603}"/>
+              </a:ext>
+            </a:extLst>
+          </p:cNvPr>
+          <p:cNvSpPr/>
+          <p:nvPr/>
+        </p:nvSpPr>
+        <p:spPr>
+          <a:xfrm>
+            <a:off x="6095999" y="155841"/>
+            <a:ext cx="6192853" cy="3681222"/>
+          </a:xfrm>
+          <a:prstGeom prst="rect">
+            <a:avLst/>
+          </a:prstGeom>
+          <a:effectLst>
+            <a:softEdge rad="317500"/>
+          </a:effectLst>
+        </p:spPr>
+        <p:style>
+          <a:lnRef idx="2">
+            <a:schemeClr val="dk1">
+              <a:shade val="50000"/>
+            </a:schemeClr>
+          </a:lnRef>
+          <a:fillRef idx="1">
+            <a:schemeClr val="dk1"/>
+          </a:fillRef>
+          <a:effectRef idx="0">
+            <a:schemeClr val="dk1"/>
+          </a:effectRef>
+          <a:fontRef idx="minor">
+            <a:schemeClr val="lt1"/>
+          </a:fontRef>
+        </p:style>
+        <p:txBody>
+          <a:bodyPr rtlCol="0" anchor="ctr"/>
+          <a:lstStyle/>
+          <a:p>
+            <a:pPr algn="ctr"/>
+            <a:endParaRPr lang="en-GB"/>
+          </a:p>
+        </p:txBody>
+      </p:sp>
+      <p:pic>
+        <p:nvPicPr>
+          <p:cNvPr id="1026" name="Picture 2" descr="Před 70 lety Čína obsadila Tibet. Špatně vyzbrojenou armádu rozprášila v  jediné bitvě — ČT24 — Česká televize">
+            <a:extLst>
+              <a:ext uri="{FF2B5EF4-FFF2-40B4-BE49-F238E27FC236}">
+                <a16:creationId xmlns:a16="http://schemas.microsoft.com/office/drawing/2014/main" id="{0C173504-0242-4259-B7F7-933BA3B99882}"/>
+              </a:ext>
+            </a:extLst>
+          </p:cNvPr>
+          <p:cNvPicPr>
+            <a:picLocks noChangeAspect="1" noChangeArrowheads="1"/>
+          </p:cNvPicPr>
+          <p:nvPr/>
+        </p:nvPicPr>
+        <p:blipFill>
+          <a:blip r:embed="rId2">
+            <a:extLst>
+              <a:ext uri="{28A0092B-C50C-407E-A947-70E740481C1C}">
+                <a14:useLocalDpi xmlns:a14="http://schemas.microsoft.com/office/drawing/2010/main" val="0"/>
+              </a:ext>
+            </a:extLst>
+          </a:blip>
+          <a:srcRect/>
+          <a:stretch>
+            <a:fillRect/>
+          </a:stretch>
+        </p:blipFill>
+        <p:spPr bwMode="auto">
+          <a:xfrm>
+            <a:off x="6628954" y="622001"/>
+            <a:ext cx="5101305" cy="2688993"/>
+          </a:xfrm>
+          <a:prstGeom prst="rect">
+            <a:avLst/>
+          </a:prstGeom>
+          <a:noFill/>
+          <a:extLst>
+            <a:ext uri="{909E8E84-426E-40DD-AFC4-6F175D3DCCD1}">
+              <a14:hiddenFill xmlns:a14="http://schemas.microsoft.com/office/drawing/2010/main">
+                <a:solidFill>
+                  <a:srgbClr val="FFFFFF"/>
+                </a:solidFill>
+              </a14:hiddenFill>
+            </a:ext>
+          </a:extLst>
+        </p:spPr>
+      </p:pic>
+      <p:pic>
+        <p:nvPicPr>
+          <p:cNvPr id="6" name="Picture 4" descr="Discord Invisible Rickroll Sticker - Discord Invisible Rickroll Stickers">
+            <a:extLst>
+              <a:ext uri="{FF2B5EF4-FFF2-40B4-BE49-F238E27FC236}">
+                <a16:creationId xmlns:a16="http://schemas.microsoft.com/office/drawing/2014/main" id="{E2B3AB45-1B1D-4D72-94F2-D17E952E94D6}"/>
+              </a:ext>
+            </a:extLst>
+          </p:cNvPr>
+          <p:cNvPicPr>
+            <a:picLocks noChangeAspect="1" noChangeArrowheads="1"/>
+          </p:cNvPicPr>
+          <p:nvPr/>
+        </p:nvPicPr>
+        <p:blipFill>
+          <a:blip r:embed="rId3">
+            <a:extLst>
+              <a:ext uri="{28A0092B-C50C-407E-A947-70E740481C1C}">
+                <a14:useLocalDpi xmlns:a14="http://schemas.microsoft.com/office/drawing/2010/main" val="0"/>
+              </a:ext>
+            </a:extLst>
+          </a:blip>
+          <a:srcRect/>
+          <a:stretch>
+            <a:fillRect/>
+          </a:stretch>
+        </p:blipFill>
+        <p:spPr bwMode="auto">
+          <a:xfrm>
+            <a:off x="1" y="6282204"/>
+            <a:ext cx="518984" cy="575796"/>
+          </a:xfrm>
+          <a:prstGeom prst="rect">
+            <a:avLst/>
+          </a:prstGeom>
+          <a:noFill/>
+          <a:extLst>
+            <a:ext uri="{909E8E84-426E-40DD-AFC4-6F175D3DCCD1}">
+              <a14:hiddenFill xmlns:a14="http://schemas.microsoft.com/office/drawing/2010/main">
+                <a:solidFill>
+                  <a:srgbClr val="FFFFFF"/>
+                </a:solidFill>
+              </a14:hiddenFill>
+            </a:ext>
+          </a:extLst>
+        </p:spPr>
+      </p:pic>
+    </p:spTree>
+    <p:extLst>
+      <p:ext uri="{BB962C8B-B14F-4D97-AF65-F5344CB8AC3E}">
+        <p14:creationId xmlns:p14="http://schemas.microsoft.com/office/powerpoint/2010/main" val="2196249933"/>
+      </p:ext>
+    </p:extLst>
+  </p:cSld>
+  <p:clrMapOvr>
+    <a:masterClrMapping/>
+  </p:clrMapOvr>
+  <mc:AlternateContent xmlns:mc="http://schemas.openxmlformats.org/markup-compatibility/2006">
+    <mc:Choice xmlns:p14="http://schemas.microsoft.com/office/powerpoint/2010/main" Requires="p14">
+      <p:transition spd="slow" p14:dur="3000">
+        <p:pull/>
+      </p:transition>
+    </mc:Choice>
+    <mc:Fallback>
+      <p:transition spd="slow">
+        <p:pull/>
+      </p:transition>
+    </mc:Fallback>
+  </mc:AlternateContent>
+</p:sld>
+</file>
+
+<file path=ppt/slides/slide8.xml><?xml version="1.0" encoding="utf-8"?>
+<p:sld xmlns:a="http://schemas.openxmlformats.org/drawingml/2006/main" xmlns:r="http://schemas.openxmlformats.org/officeDocument/2006/relationships" xmlns:p="http://schemas.openxmlformats.org/presentationml/2006/main">
+  <p:cSld>
+    <p:bg>
+      <p:bgPr>
+        <a:solidFill>
+          <a:srgbClr val="262626"/>
+        </a:solidFill>
+        <a:effectLst/>
+      </p:bgPr>
+    </p:bg>
+    <p:spTree>
+      <p:nvGrpSpPr>
+        <p:cNvPr id="1" name=""/>
+        <p:cNvGrpSpPr/>
+        <p:nvPr/>
+      </p:nvGrpSpPr>
+      <p:grpSpPr>
+        <a:xfrm>
+          <a:off x="0" y="0"/>
+          <a:ext cx="0" cy="0"/>
+          <a:chOff x="0" y="0"/>
+          <a:chExt cx="0" cy="0"/>
+        </a:xfrm>
+      </p:grpSpPr>
+      <p:sp>
+        <p:nvSpPr>
+          <p:cNvPr id="2" name="Nadpis 1">
+            <a:extLst>
+              <a:ext uri="{FF2B5EF4-FFF2-40B4-BE49-F238E27FC236}">
+                <a16:creationId xmlns:a16="http://schemas.microsoft.com/office/drawing/2014/main" id="{AE2723E1-F6EA-4F61-950D-81809574F41D}"/>
+              </a:ext>
+            </a:extLst>
+          </p:cNvPr>
+          <p:cNvSpPr>
+            <a:spLocks noGrp="1"/>
+          </p:cNvSpPr>
+          <p:nvPr>
+            <p:ph type="title"/>
+          </p:nvPr>
+        </p:nvSpPr>
+        <p:spPr/>
+        <p:txBody>
+          <a:bodyPr/>
+          <a:lstStyle/>
+          <a:p>
+            <a:r>
+              <a:rPr lang="cs-CZ" dirty="0"/>
+              <a:t>Po anexi</a:t>
+            </a:r>
+            <a:endParaRPr lang="en-GB" dirty="0"/>
+          </a:p>
+        </p:txBody>
+      </p:sp>
+      <p:sp>
+        <p:nvSpPr>
+          <p:cNvPr id="3" name="Zástupný obsah 2">
+            <a:extLst>
+              <a:ext uri="{FF2B5EF4-FFF2-40B4-BE49-F238E27FC236}">
+                <a16:creationId xmlns:a16="http://schemas.microsoft.com/office/drawing/2014/main" id="{D27B56FE-4AF6-4EFA-96B2-2A36AADBC3B3}"/>
+              </a:ext>
+            </a:extLst>
+          </p:cNvPr>
+          <p:cNvSpPr>
+            <a:spLocks noGrp="1"/>
+          </p:cNvSpPr>
+          <p:nvPr>
+            <p:ph idx="1"/>
+          </p:nvPr>
+        </p:nvSpPr>
+        <p:spPr/>
+        <p:txBody>
+          <a:bodyPr/>
+          <a:lstStyle/>
+          <a:p>
+            <a:r>
+              <a:rPr lang="cs-CZ" dirty="0"/>
+              <a:t>1950 – dalajláma převzal moc</a:t>
+            </a:r>
+          </a:p>
+          <a:p>
+            <a:r>
+              <a:rPr lang="cs-CZ" dirty="0"/>
+              <a:t>1951 – Sedmnáctibodová dohoda</a:t>
+            </a:r>
+          </a:p>
+          <a:p>
+            <a:r>
+              <a:rPr lang="cs-CZ" dirty="0"/>
+              <a:t>1956 – Nepokoje v některých provinciích</a:t>
+            </a:r>
+          </a:p>
+          <a:p>
+            <a:r>
+              <a:rPr lang="cs-CZ" dirty="0"/>
+              <a:t>3 roky na to se povstání rozšířilo</a:t>
+            </a:r>
+          </a:p>
+          <a:p>
+            <a:r>
+              <a:rPr lang="cs-CZ" dirty="0"/>
+              <a:t>1959 odchod dalajlámy do Indie</a:t>
+            </a:r>
+            <a:endParaRPr lang="en-GB" dirty="0"/>
+          </a:p>
+        </p:txBody>
+      </p:sp>
+      <p:sp>
+        <p:nvSpPr>
+          <p:cNvPr id="7" name="Obdélník 6">
+            <a:extLst>
+              <a:ext uri="{FF2B5EF4-FFF2-40B4-BE49-F238E27FC236}">
+                <a16:creationId xmlns:a16="http://schemas.microsoft.com/office/drawing/2014/main" id="{C7C32B7A-824D-4211-ADB3-3C13AFFEA096}"/>
+              </a:ext>
+            </a:extLst>
+          </p:cNvPr>
+          <p:cNvSpPr/>
+          <p:nvPr/>
+        </p:nvSpPr>
+        <p:spPr>
+          <a:xfrm>
+            <a:off x="6563170" y="3287874"/>
+            <a:ext cx="5024928" cy="3681222"/>
+          </a:xfrm>
+          <a:prstGeom prst="rect">
+            <a:avLst/>
+          </a:prstGeom>
+          <a:effectLst>
+            <a:softEdge rad="317500"/>
+          </a:effectLst>
+        </p:spPr>
+        <p:style>
+          <a:lnRef idx="2">
+            <a:schemeClr val="dk1">
+              <a:shade val="50000"/>
+            </a:schemeClr>
+          </a:lnRef>
+          <a:fillRef idx="1">
+            <a:schemeClr val="dk1"/>
+          </a:fillRef>
+          <a:effectRef idx="0">
+            <a:schemeClr val="dk1"/>
+          </a:effectRef>
+          <a:fontRef idx="minor">
+            <a:schemeClr val="lt1"/>
+          </a:fontRef>
+        </p:style>
+        <p:txBody>
+          <a:bodyPr rtlCol="0" anchor="ctr"/>
+          <a:lstStyle/>
+          <a:p>
+            <a:pPr algn="ctr"/>
+            <a:endParaRPr lang="en-GB"/>
+          </a:p>
+        </p:txBody>
+      </p:sp>
+      <p:pic>
+        <p:nvPicPr>
+          <p:cNvPr id="2050" name="Picture 2" descr="Nejúžasnější útěk historie: Mladý dalajláma v přestojení za vojáka utekl  čínské armádě přes drsné Himaláje | Reflex.cz">
+            <a:extLst>
+              <a:ext uri="{FF2B5EF4-FFF2-40B4-BE49-F238E27FC236}">
+                <a16:creationId xmlns:a16="http://schemas.microsoft.com/office/drawing/2014/main" id="{0B22F237-862A-429C-AEFD-72154E7B4B25}"/>
+              </a:ext>
+            </a:extLst>
+          </p:cNvPr>
+          <p:cNvPicPr>
+            <a:picLocks noChangeAspect="1" noChangeArrowheads="1"/>
+          </p:cNvPicPr>
+          <p:nvPr/>
+        </p:nvPicPr>
+        <p:blipFill>
+          <a:blip r:embed="rId2">
+            <a:extLst>
+              <a:ext uri="{28A0092B-C50C-407E-A947-70E740481C1C}">
+                <a14:useLocalDpi xmlns:a14="http://schemas.microsoft.com/office/drawing/2010/main" val="0"/>
+              </a:ext>
+            </a:extLst>
+          </a:blip>
+          <a:srcRect/>
+          <a:stretch>
+            <a:fillRect/>
+          </a:stretch>
+        </p:blipFill>
+        <p:spPr bwMode="auto">
+          <a:xfrm>
+            <a:off x="6987969" y="3733385"/>
+            <a:ext cx="4139235" cy="2759490"/>
+          </a:xfrm>
+          <a:prstGeom prst="rect">
+            <a:avLst/>
+          </a:prstGeom>
+          <a:noFill/>
+          <a:extLst>
+            <a:ext uri="{909E8E84-426E-40DD-AFC4-6F175D3DCCD1}">
+              <a14:hiddenFill xmlns:a14="http://schemas.microsoft.com/office/drawing/2010/main">
+                <a:solidFill>
+                  <a:srgbClr val="FFFFFF"/>
+                </a:solidFill>
+              </a14:hiddenFill>
+            </a:ext>
+          </a:extLst>
+        </p:spPr>
+      </p:pic>
+      <p:pic>
+        <p:nvPicPr>
+          <p:cNvPr id="5" name="Obrázek 4">
+            <a:extLst>
+              <a:ext uri="{FF2B5EF4-FFF2-40B4-BE49-F238E27FC236}">
+                <a16:creationId xmlns:a16="http://schemas.microsoft.com/office/drawing/2014/main" id="{A4EBAA82-EF37-422F-9492-464939134B2C}"/>
+              </a:ext>
+            </a:extLst>
+          </p:cNvPr>
+          <p:cNvPicPr>
+            <a:picLocks noChangeAspect="1"/>
+          </p:cNvPicPr>
+          <p:nvPr/>
+        </p:nvPicPr>
+        <p:blipFill>
+          <a:blip r:embed="rId3">
+            <a:extLst>
+              <a:ext uri="{BEBA8EAE-BF5A-486C-A8C5-ECC9F3942E4B}">
+                <a14:imgProps xmlns:a14="http://schemas.microsoft.com/office/drawing/2010/main">
+                  <a14:imgLayer r:embed="rId4">
+                    <a14:imgEffect>
+                      <a14:backgroundRemoval t="1521" b="100000" l="9690" r="89535">
+                        <a14:foregroundMark x1="75969" y1="15970" x2="75969" y2="15209"/>
+                        <a14:foregroundMark x1="76357" y1="12548" x2="73643" y2="15209"/>
+                      </a14:backgroundRemoval>
+                    </a14:imgEffect>
+                  </a14:imgLayer>
+                </a14:imgProps>
+              </a:ext>
+            </a:extLst>
+          </a:blip>
+          <a:stretch>
+            <a:fillRect/>
+          </a:stretch>
+        </p:blipFill>
+        <p:spPr>
+          <a:xfrm>
+            <a:off x="10124442" y="4264025"/>
+            <a:ext cx="622360" cy="634421"/>
+          </a:xfrm>
+          <a:prstGeom prst="rect">
+            <a:avLst/>
+          </a:prstGeom>
+        </p:spPr>
+      </p:pic>
+      <p:pic>
+        <p:nvPicPr>
+          <p:cNvPr id="8" name="Picture 4" descr="Discord Invisible Rickroll Sticker - Discord Invisible Rickroll Stickers">
+            <a:extLst>
+              <a:ext uri="{FF2B5EF4-FFF2-40B4-BE49-F238E27FC236}">
+                <a16:creationId xmlns:a16="http://schemas.microsoft.com/office/drawing/2014/main" id="{44ABECEE-7338-489C-BCBF-E7EEAC84ACEE}"/>
+              </a:ext>
+            </a:extLst>
+          </p:cNvPr>
+          <p:cNvPicPr>
+            <a:picLocks noChangeAspect="1" noChangeArrowheads="1"/>
+          </p:cNvPicPr>
+          <p:nvPr/>
+        </p:nvPicPr>
+        <p:blipFill>
+          <a:blip r:embed="rId5">
+            <a:extLst>
+              <a:ext uri="{28A0092B-C50C-407E-A947-70E740481C1C}">
+                <a14:useLocalDpi xmlns:a14="http://schemas.microsoft.com/office/drawing/2010/main" val="0"/>
+              </a:ext>
+            </a:extLst>
+          </a:blip>
+          <a:srcRect/>
+          <a:stretch>
+            <a:fillRect/>
+          </a:stretch>
+        </p:blipFill>
+        <p:spPr bwMode="auto">
+          <a:xfrm>
+            <a:off x="1" y="6282204"/>
+            <a:ext cx="518984" cy="575796"/>
+          </a:xfrm>
+          <a:prstGeom prst="rect">
+            <a:avLst/>
+          </a:prstGeom>
+          <a:noFill/>
+          <a:extLst>
+            <a:ext uri="{909E8E84-426E-40DD-AFC4-6F175D3DCCD1}">
+              <a14:hiddenFill xmlns:a14="http://schemas.microsoft.com/office/drawing/2010/main">
+                <a:solidFill>
+                  <a:srgbClr val="FFFFFF"/>
+                </a:solidFill>
+              </a14:hiddenFill>
+            </a:ext>
+          </a:extLst>
+        </p:spPr>
+      </p:pic>
+    </p:spTree>
+    <p:extLst>
+      <p:ext uri="{BB962C8B-B14F-4D97-AF65-F5344CB8AC3E}">
+        <p14:creationId xmlns:p14="http://schemas.microsoft.com/office/powerpoint/2010/main" val="1118290731"/>
+      </p:ext>
+    </p:extLst>
+  </p:cSld>
+  <p:clrMapOvr>
+    <a:masterClrMapping/>
+  </p:clrMapOvr>
+  <mc:AlternateContent xmlns:mc="http://schemas.openxmlformats.org/markup-compatibility/2006">
+    <mc:Choice xmlns:p14="http://schemas.microsoft.com/office/powerpoint/2010/main" Requires="p14">
+      <p:transition spd="slow" p14:dur="3000">
+        <p:pull/>
+      </p:transition>
+    </mc:Choice>
+    <mc:Fallback>
+      <p:transition spd="slow">
+        <p:pull/>
+      </p:transition>
+    </mc:Fallback>
+  </mc:AlternateContent>
 </p:sld>
 </file>
 
@@ -8881,7 +9961,7 @@
           <p:cNvPr id="2" name="Nadpis 1">
             <a:extLst>
               <a:ext uri="{FF2B5EF4-FFF2-40B4-BE49-F238E27FC236}">
-                <a16:creationId xmlns:a16="http://schemas.microsoft.com/office/drawing/2014/main" id="{7113E5A6-6198-4F06-A401-3006966BA734}"/>
+                <a16:creationId xmlns:a16="http://schemas.microsoft.com/office/drawing/2014/main" id="{5B6D3368-D28B-433D-BB9C-70E74BC4F7E7}"/>
               </a:ext>
             </a:extLst>
           </p:cNvPr>
@@ -8899,11 +9979,7 @@
           <a:p>
             <a:r>
               <a:rPr lang="cs-CZ" dirty="0"/>
-              <a:t>Anexe </a:t>
-            </a:r>
-            <a:r>
-              <a:rPr lang="cs-CZ" dirty="0" err="1"/>
-              <a:t>tibetu</a:t>
+              <a:t>Nepokoje a povstání</a:t>
             </a:r>
             <a:endParaRPr lang="en-GB" dirty="0"/>
           </a:p>
@@ -8914,7 +9990,7 @@
           <p:cNvPr id="3" name="Zástupný obsah 2">
             <a:extLst>
               <a:ext uri="{FF2B5EF4-FFF2-40B4-BE49-F238E27FC236}">
-                <a16:creationId xmlns:a16="http://schemas.microsoft.com/office/drawing/2014/main" id="{D4BE575A-6E5E-434C-9941-8F3AC52FAD16}"/>
+                <a16:creationId xmlns:a16="http://schemas.microsoft.com/office/drawing/2014/main" id="{78817CD5-B2DF-4B74-9CB0-D21F81F1CF4B}"/>
               </a:ext>
             </a:extLst>
           </p:cNvPr>
@@ -8925,70 +10001,113 @@
             <p:ph idx="1"/>
           </p:nvPr>
         </p:nvSpPr>
-        <p:spPr>
-          <a:xfrm>
-            <a:off x="838200" y="1755246"/>
-            <a:ext cx="10515600" cy="4351338"/>
-          </a:xfrm>
-        </p:spPr>
+        <p:spPr/>
         <p:txBody>
           <a:bodyPr/>
           <a:lstStyle/>
           <a:p>
             <a:r>
+              <a:rPr lang="es-ES" dirty="0"/>
+              <a:t>1959</a:t>
+            </a:r>
+            <a:r>
               <a:rPr lang="cs-CZ" dirty="0"/>
-              <a:t>1949 vstup ČLR do </a:t>
-            </a:r>
-            <a:r>
-              <a:rPr lang="cs-CZ" dirty="0" err="1"/>
-              <a:t>tibetu</a:t>
+              <a:t> – </a:t>
+            </a:r>
+            <a:r>
+              <a:rPr lang="es-ES" dirty="0"/>
+              <a:t>velké povstání ve Lhase</a:t>
             </a:r>
             <a:endParaRPr lang="cs-CZ" dirty="0"/>
           </a:p>
           <a:p>
+            <a:pPr lvl="1"/>
             <a:r>
               <a:rPr lang="cs-CZ" dirty="0"/>
-              <a:t>1951 poražení / osvobození </a:t>
-            </a:r>
-            <a:r>
-              <a:rPr lang="cs-CZ" dirty="0" err="1"/>
-              <a:t>tibetu</a:t>
-            </a:r>
+              <a:t>87 tisíc obětí</a:t>
+            </a:r>
+          </a:p>
+          <a:p>
+            <a:pPr lvl="1"/>
             <a:endParaRPr lang="cs-CZ" dirty="0"/>
           </a:p>
           <a:p>
-            <a:endParaRPr lang="cs-CZ" dirty="0"/>
-          </a:p>
-          <a:p>
             <a:r>
               <a:rPr lang="cs-CZ" dirty="0"/>
-              <a:t>Náboženská útlak</a:t>
-            </a:r>
-          </a:p>
-          <a:p>
-            <a:r>
-              <a:rPr lang="cs-CZ" dirty="0"/>
-              <a:t>Ničení památek, věznění mnichů,…</a:t>
-            </a:r>
-          </a:p>
-          <a:p>
-            <a:r>
-              <a:rPr lang="cs-CZ" dirty="0"/>
-              <a:t>Okolo 1,2 miliónu Tibeťanů přišlo o život</a:t>
-            </a:r>
-          </a:p>
-        </p:txBody>
-      </p:sp>
+              <a:t>2008 – Před olympijskými hrami v Pekingu krvavě potlačeny údajné protičínské demonstrace,</a:t>
+            </a:r>
+          </a:p>
+        </p:txBody>
+      </p:sp>
+      <p:pic>
+        <p:nvPicPr>
+          <p:cNvPr id="4" name="Picture 4" descr="Discord Invisible Rickroll Sticker - Discord Invisible Rickroll Stickers">
+            <a:extLst>
+              <a:ext uri="{FF2B5EF4-FFF2-40B4-BE49-F238E27FC236}">
+                <a16:creationId xmlns:a16="http://schemas.microsoft.com/office/drawing/2014/main" id="{D877137F-DF7E-4902-B420-5D6ACE45627B}"/>
+              </a:ext>
+            </a:extLst>
+          </p:cNvPr>
+          <p:cNvPicPr>
+            <a:picLocks noChangeAspect="1" noChangeArrowheads="1"/>
+          </p:cNvPicPr>
+          <p:nvPr/>
+        </p:nvPicPr>
+        <p:blipFill>
+          <a:blip r:embed="rId2">
+            <a:extLst>
+              <a:ext uri="{28A0092B-C50C-407E-A947-70E740481C1C}">
+                <a14:useLocalDpi xmlns:a14="http://schemas.microsoft.com/office/drawing/2010/main" val="0"/>
+              </a:ext>
+            </a:extLst>
+          </a:blip>
+          <a:srcRect/>
+          <a:stretch>
+            <a:fillRect/>
+          </a:stretch>
+        </p:blipFill>
+        <p:spPr bwMode="auto">
+          <a:xfrm>
+            <a:off x="1" y="6282204"/>
+            <a:ext cx="518984" cy="575796"/>
+          </a:xfrm>
+          <a:prstGeom prst="rect">
+            <a:avLst/>
+          </a:prstGeom>
+          <a:noFill/>
+          <a:extLst>
+            <a:ext uri="{909E8E84-426E-40DD-AFC4-6F175D3DCCD1}">
+              <a14:hiddenFill xmlns:a14="http://schemas.microsoft.com/office/drawing/2010/main">
+                <a:solidFill>
+                  <a:srgbClr val="FFFFFF"/>
+                </a:solidFill>
+              </a14:hiddenFill>
+            </a:ext>
+          </a:extLst>
+        </p:spPr>
+      </p:pic>
     </p:spTree>
     <p:extLst>
       <p:ext uri="{BB962C8B-B14F-4D97-AF65-F5344CB8AC3E}">
-        <p14:creationId xmlns:p14="http://schemas.microsoft.com/office/powerpoint/2010/main" val="2196249933"/>
+        <p14:creationId xmlns:p14="http://schemas.microsoft.com/office/powerpoint/2010/main" val="1882321699"/>
       </p:ext>
     </p:extLst>
   </p:cSld>
   <p:clrMapOvr>
     <a:masterClrMapping/>
   </p:clrMapOvr>
+  <mc:AlternateContent xmlns:mc="http://schemas.openxmlformats.org/markup-compatibility/2006">
+    <mc:Choice xmlns:p14="http://schemas.microsoft.com/office/powerpoint/2010/main" Requires="p14">
+      <p:transition spd="slow" p14:dur="3000">
+        <p:pull/>
+      </p:transition>
+    </mc:Choice>
+    <mc:Fallback>
+      <p:transition spd="slow">
+        <p:pull/>
+      </p:transition>
+    </mc:Fallback>
+  </mc:AlternateContent>
 </p:sld>
 </file>
 
